--- a/PPT/Class period 8.pptx
+++ b/PPT/Class period 8.pptx
@@ -204,9 +204,9 @@
             </a:lvl1pPr>
           </a:lstStyle>
           <a:p>
-            <a:fld id="{7081E61B-0D49-45A6-B190-0D407A1127C6}" type="datetimeFigureOut">
+            <a:fld id="{36D7E46F-A554-4109-B13E-3FE0E73FA6EF}" type="datetimeFigureOut">
               <a:rPr lang="en-US" smtClean="0"/>
-              <a:t>4/20/2024</a:t>
+              <a:t>5/15/2024</a:t>
             </a:fld>
             <a:endParaRPr lang="en-US"/>
           </a:p>
@@ -362,7 +362,7 @@
             </a:lvl1pPr>
           </a:lstStyle>
           <a:p>
-            <a:fld id="{E90B2913-A841-4F24-B154-6217D3A7A39E}" type="slidenum">
+            <a:fld id="{1328D59A-9C74-43B5-BE0C-8FC964587965}" type="slidenum">
               <a:rPr lang="en-US" smtClean="0"/>
               <a:t>‹#›</a:t>
             </a:fld>
@@ -373,7 +373,7 @@
     </p:spTree>
     <p:extLst>
       <p:ext uri="{BB962C8B-B14F-4D97-AF65-F5344CB8AC3E}">
-        <p14:creationId xmlns:p14="http://schemas.microsoft.com/office/powerpoint/2010/main" val="1088137956"/>
+        <p14:creationId xmlns:p14="http://schemas.microsoft.com/office/powerpoint/2010/main" val="764146415"/>
       </p:ext>
     </p:extLst>
   </p:cSld>
@@ -579,7 +579,7 @@
           <p:cNvPr id="2" name="Title 1">
             <a:extLst>
               <a:ext uri="{FF2B5EF4-FFF2-40B4-BE49-F238E27FC236}">
-                <a16:creationId xmlns:a16="http://schemas.microsoft.com/office/drawing/2014/main" id="{C555CB36-6151-1D47-198B-E4E35DBD1918}"/>
+                <a16:creationId xmlns:a16="http://schemas.microsoft.com/office/drawing/2014/main" id="{4F775C6E-147D-C279-0784-D9DE08F29462}"/>
               </a:ext>
             </a:extLst>
           </p:cNvPr>
@@ -616,7 +616,7 @@
           <p:cNvPr id="3" name="Subtitle 2">
             <a:extLst>
               <a:ext uri="{FF2B5EF4-FFF2-40B4-BE49-F238E27FC236}">
-                <a16:creationId xmlns:a16="http://schemas.microsoft.com/office/drawing/2014/main" id="{83B9455C-46F6-738C-185D-D4B4A00D4F4D}"/>
+                <a16:creationId xmlns:a16="http://schemas.microsoft.com/office/drawing/2014/main" id="{1D571664-5005-451C-BD91-00613D5F8A46}"/>
               </a:ext>
             </a:extLst>
           </p:cNvPr>
@@ -686,7 +686,7 @@
           <p:cNvPr id="4" name="Date Placeholder 3">
             <a:extLst>
               <a:ext uri="{FF2B5EF4-FFF2-40B4-BE49-F238E27FC236}">
-                <a16:creationId xmlns:a16="http://schemas.microsoft.com/office/drawing/2014/main" id="{1E748A6A-2795-EB28-9AA0-AC71973AD0F4}"/>
+                <a16:creationId xmlns:a16="http://schemas.microsoft.com/office/drawing/2014/main" id="{B75F0A73-11BC-7349-896B-3CDB6C26F642}"/>
               </a:ext>
             </a:extLst>
           </p:cNvPr>
@@ -702,9 +702,9 @@
           <a:bodyPr/>
           <a:lstStyle/>
           <a:p>
-            <a:fld id="{8466E9E1-D808-4925-859F-35328966D38A}" type="datetimeFigureOut">
+            <a:fld id="{389C3E20-836B-4499-B694-BB697AB51FD3}" type="datetimeFigureOut">
               <a:rPr lang="en-US" smtClean="0"/>
-              <a:t>4/20/2024</a:t>
+              <a:t>5/15/2024</a:t>
             </a:fld>
             <a:endParaRPr lang="en-US"/>
           </a:p>
@@ -715,7 +715,7 @@
           <p:cNvPr id="5" name="Footer Placeholder 4">
             <a:extLst>
               <a:ext uri="{FF2B5EF4-FFF2-40B4-BE49-F238E27FC236}">
-                <a16:creationId xmlns:a16="http://schemas.microsoft.com/office/drawing/2014/main" id="{88C1CE7E-6BBC-C844-CA1C-93B901684CC3}"/>
+                <a16:creationId xmlns:a16="http://schemas.microsoft.com/office/drawing/2014/main" id="{A654350F-B9B2-B098-433D-29C8540B466F}"/>
               </a:ext>
             </a:extLst>
           </p:cNvPr>
@@ -740,7 +740,7 @@
           <p:cNvPr id="6" name="Slide Number Placeholder 5">
             <a:extLst>
               <a:ext uri="{FF2B5EF4-FFF2-40B4-BE49-F238E27FC236}">
-                <a16:creationId xmlns:a16="http://schemas.microsoft.com/office/drawing/2014/main" id="{C1858BFD-3D0B-84C6-7774-873ECB811E4B}"/>
+                <a16:creationId xmlns:a16="http://schemas.microsoft.com/office/drawing/2014/main" id="{3C53AFD3-B971-B336-9F36-C1285DBF3ECF}"/>
               </a:ext>
             </a:extLst>
           </p:cNvPr>
@@ -756,7 +756,7 @@
           <a:bodyPr/>
           <a:lstStyle/>
           <a:p>
-            <a:fld id="{D386A255-500C-4444-A8EF-DF6EA7D626F9}" type="slidenum">
+            <a:fld id="{8DD3FFAB-BB3E-4AFB-9BA0-5DC47EBA1C6F}" type="slidenum">
               <a:rPr lang="en-US" smtClean="0"/>
               <a:t>‹#›</a:t>
             </a:fld>
@@ -767,7 +767,7 @@
     </p:spTree>
     <p:extLst>
       <p:ext uri="{BB962C8B-B14F-4D97-AF65-F5344CB8AC3E}">
-        <p14:creationId xmlns:p14="http://schemas.microsoft.com/office/powerpoint/2010/main" val="2765376979"/>
+        <p14:creationId xmlns:p14="http://schemas.microsoft.com/office/powerpoint/2010/main" val="1998403842"/>
       </p:ext>
     </p:extLst>
   </p:cSld>
@@ -799,7 +799,7 @@
           <p:cNvPr id="2" name="Title 1">
             <a:extLst>
               <a:ext uri="{FF2B5EF4-FFF2-40B4-BE49-F238E27FC236}">
-                <a16:creationId xmlns:a16="http://schemas.microsoft.com/office/drawing/2014/main" id="{46BDCC4F-8180-5D30-E36A-CB901BD5CB62}"/>
+                <a16:creationId xmlns:a16="http://schemas.microsoft.com/office/drawing/2014/main" id="{318795F8-1C83-735F-0E4B-BE7C7D76085C}"/>
               </a:ext>
             </a:extLst>
           </p:cNvPr>
@@ -827,7 +827,7 @@
           <p:cNvPr id="3" name="Vertical Text Placeholder 2">
             <a:extLst>
               <a:ext uri="{FF2B5EF4-FFF2-40B4-BE49-F238E27FC236}">
-                <a16:creationId xmlns:a16="http://schemas.microsoft.com/office/drawing/2014/main" id="{00DCCEE4-2786-324B-94BE-5B2660607322}"/>
+                <a16:creationId xmlns:a16="http://schemas.microsoft.com/office/drawing/2014/main" id="{4681D609-5D4A-2DAB-35BB-DB93DBB335A3}"/>
               </a:ext>
             </a:extLst>
           </p:cNvPr>
@@ -884,7 +884,7 @@
           <p:cNvPr id="4" name="Date Placeholder 3">
             <a:extLst>
               <a:ext uri="{FF2B5EF4-FFF2-40B4-BE49-F238E27FC236}">
-                <a16:creationId xmlns:a16="http://schemas.microsoft.com/office/drawing/2014/main" id="{C5517E17-FD46-4D48-80E9-96194C8A564A}"/>
+                <a16:creationId xmlns:a16="http://schemas.microsoft.com/office/drawing/2014/main" id="{AD18B145-BC22-A10D-4494-F13980ED6ED0}"/>
               </a:ext>
             </a:extLst>
           </p:cNvPr>
@@ -900,9 +900,9 @@
           <a:bodyPr/>
           <a:lstStyle/>
           <a:p>
-            <a:fld id="{8466E9E1-D808-4925-859F-35328966D38A}" type="datetimeFigureOut">
+            <a:fld id="{389C3E20-836B-4499-B694-BB697AB51FD3}" type="datetimeFigureOut">
               <a:rPr lang="en-US" smtClean="0"/>
-              <a:t>4/20/2024</a:t>
+              <a:t>5/15/2024</a:t>
             </a:fld>
             <a:endParaRPr lang="en-US"/>
           </a:p>
@@ -913,7 +913,7 @@
           <p:cNvPr id="5" name="Footer Placeholder 4">
             <a:extLst>
               <a:ext uri="{FF2B5EF4-FFF2-40B4-BE49-F238E27FC236}">
-                <a16:creationId xmlns:a16="http://schemas.microsoft.com/office/drawing/2014/main" id="{327B0921-2C06-7506-4364-29161AE2F00E}"/>
+                <a16:creationId xmlns:a16="http://schemas.microsoft.com/office/drawing/2014/main" id="{B3E2F3EE-73F7-EA45-B331-349A114A834C}"/>
               </a:ext>
             </a:extLst>
           </p:cNvPr>
@@ -938,7 +938,7 @@
           <p:cNvPr id="6" name="Slide Number Placeholder 5">
             <a:extLst>
               <a:ext uri="{FF2B5EF4-FFF2-40B4-BE49-F238E27FC236}">
-                <a16:creationId xmlns:a16="http://schemas.microsoft.com/office/drawing/2014/main" id="{757BD797-F83D-5FA4-DFC2-D816BEFEF7E0}"/>
+                <a16:creationId xmlns:a16="http://schemas.microsoft.com/office/drawing/2014/main" id="{368367D6-0F5F-74AD-C81D-A6420B3DA0D9}"/>
               </a:ext>
             </a:extLst>
           </p:cNvPr>
@@ -954,7 +954,7 @@
           <a:bodyPr/>
           <a:lstStyle/>
           <a:p>
-            <a:fld id="{D386A255-500C-4444-A8EF-DF6EA7D626F9}" type="slidenum">
+            <a:fld id="{8DD3FFAB-BB3E-4AFB-9BA0-5DC47EBA1C6F}" type="slidenum">
               <a:rPr lang="en-US" smtClean="0"/>
               <a:t>‹#›</a:t>
             </a:fld>
@@ -965,7 +965,7 @@
     </p:spTree>
     <p:extLst>
       <p:ext uri="{BB962C8B-B14F-4D97-AF65-F5344CB8AC3E}">
-        <p14:creationId xmlns:p14="http://schemas.microsoft.com/office/powerpoint/2010/main" val="813927079"/>
+        <p14:creationId xmlns:p14="http://schemas.microsoft.com/office/powerpoint/2010/main" val="3171142219"/>
       </p:ext>
     </p:extLst>
   </p:cSld>
@@ -997,7 +997,7 @@
           <p:cNvPr id="2" name="Vertical Title 1">
             <a:extLst>
               <a:ext uri="{FF2B5EF4-FFF2-40B4-BE49-F238E27FC236}">
-                <a16:creationId xmlns:a16="http://schemas.microsoft.com/office/drawing/2014/main" id="{291B3196-62EC-FC1B-7282-27703ABF5226}"/>
+                <a16:creationId xmlns:a16="http://schemas.microsoft.com/office/drawing/2014/main" id="{4C14278B-C50A-E1D9-2677-9E879FBD77EE}"/>
               </a:ext>
             </a:extLst>
           </p:cNvPr>
@@ -1030,7 +1030,7 @@
           <p:cNvPr id="3" name="Vertical Text Placeholder 2">
             <a:extLst>
               <a:ext uri="{FF2B5EF4-FFF2-40B4-BE49-F238E27FC236}">
-                <a16:creationId xmlns:a16="http://schemas.microsoft.com/office/drawing/2014/main" id="{527EA144-33FC-6352-C5C8-0E2A5D634F6B}"/>
+                <a16:creationId xmlns:a16="http://schemas.microsoft.com/office/drawing/2014/main" id="{6E27C5E0-92C1-D9AA-9BC5-AF4A54F031B6}"/>
               </a:ext>
             </a:extLst>
           </p:cNvPr>
@@ -1092,7 +1092,7 @@
           <p:cNvPr id="4" name="Date Placeholder 3">
             <a:extLst>
               <a:ext uri="{FF2B5EF4-FFF2-40B4-BE49-F238E27FC236}">
-                <a16:creationId xmlns:a16="http://schemas.microsoft.com/office/drawing/2014/main" id="{CE662DFB-6787-E570-4780-F2AD9C706F92}"/>
+                <a16:creationId xmlns:a16="http://schemas.microsoft.com/office/drawing/2014/main" id="{8AAF26A1-B303-E3CF-33B6-07903E6C7BD8}"/>
               </a:ext>
             </a:extLst>
           </p:cNvPr>
@@ -1108,9 +1108,9 @@
           <a:bodyPr/>
           <a:lstStyle/>
           <a:p>
-            <a:fld id="{8466E9E1-D808-4925-859F-35328966D38A}" type="datetimeFigureOut">
+            <a:fld id="{389C3E20-836B-4499-B694-BB697AB51FD3}" type="datetimeFigureOut">
               <a:rPr lang="en-US" smtClean="0"/>
-              <a:t>4/20/2024</a:t>
+              <a:t>5/15/2024</a:t>
             </a:fld>
             <a:endParaRPr lang="en-US"/>
           </a:p>
@@ -1121,7 +1121,7 @@
           <p:cNvPr id="5" name="Footer Placeholder 4">
             <a:extLst>
               <a:ext uri="{FF2B5EF4-FFF2-40B4-BE49-F238E27FC236}">
-                <a16:creationId xmlns:a16="http://schemas.microsoft.com/office/drawing/2014/main" id="{D6F88191-D717-D94A-7B4A-A74F2CA4FE33}"/>
+                <a16:creationId xmlns:a16="http://schemas.microsoft.com/office/drawing/2014/main" id="{AC63BA5C-783D-0043-0387-C759AD2BBA3E}"/>
               </a:ext>
             </a:extLst>
           </p:cNvPr>
@@ -1146,7 +1146,7 @@
           <p:cNvPr id="6" name="Slide Number Placeholder 5">
             <a:extLst>
               <a:ext uri="{FF2B5EF4-FFF2-40B4-BE49-F238E27FC236}">
-                <a16:creationId xmlns:a16="http://schemas.microsoft.com/office/drawing/2014/main" id="{3FDD8E1F-3811-E265-2802-70F3ABB563CB}"/>
+                <a16:creationId xmlns:a16="http://schemas.microsoft.com/office/drawing/2014/main" id="{AA28A48E-C6F0-389B-DC97-95438A1FE16B}"/>
               </a:ext>
             </a:extLst>
           </p:cNvPr>
@@ -1162,7 +1162,7 @@
           <a:bodyPr/>
           <a:lstStyle/>
           <a:p>
-            <a:fld id="{D386A255-500C-4444-A8EF-DF6EA7D626F9}" type="slidenum">
+            <a:fld id="{8DD3FFAB-BB3E-4AFB-9BA0-5DC47EBA1C6F}" type="slidenum">
               <a:rPr lang="en-US" smtClean="0"/>
               <a:t>‹#›</a:t>
             </a:fld>
@@ -1173,7 +1173,7 @@
     </p:spTree>
     <p:extLst>
       <p:ext uri="{BB962C8B-B14F-4D97-AF65-F5344CB8AC3E}">
-        <p14:creationId xmlns:p14="http://schemas.microsoft.com/office/powerpoint/2010/main" val="2945856173"/>
+        <p14:creationId xmlns:p14="http://schemas.microsoft.com/office/powerpoint/2010/main" val="3476560567"/>
       </p:ext>
     </p:extLst>
   </p:cSld>
@@ -1205,7 +1205,7 @@
           <p:cNvPr id="2" name="Title 1">
             <a:extLst>
               <a:ext uri="{FF2B5EF4-FFF2-40B4-BE49-F238E27FC236}">
-                <a16:creationId xmlns:a16="http://schemas.microsoft.com/office/drawing/2014/main" id="{1D1B962A-B0CD-0691-EC63-0A83A61EBDCA}"/>
+                <a16:creationId xmlns:a16="http://schemas.microsoft.com/office/drawing/2014/main" id="{325EAD24-996B-8FF4-BF22-181EACC6F89F}"/>
               </a:ext>
             </a:extLst>
           </p:cNvPr>
@@ -1233,7 +1233,7 @@
           <p:cNvPr id="3" name="Content Placeholder 2">
             <a:extLst>
               <a:ext uri="{FF2B5EF4-FFF2-40B4-BE49-F238E27FC236}">
-                <a16:creationId xmlns:a16="http://schemas.microsoft.com/office/drawing/2014/main" id="{3427D760-4FA7-7BF2-CD76-D2E1B0754B4E}"/>
+                <a16:creationId xmlns:a16="http://schemas.microsoft.com/office/drawing/2014/main" id="{956E09BA-5DD5-AEE8-33E4-4D7091ADF847}"/>
               </a:ext>
             </a:extLst>
           </p:cNvPr>
@@ -1290,7 +1290,7 @@
           <p:cNvPr id="4" name="Date Placeholder 3">
             <a:extLst>
               <a:ext uri="{FF2B5EF4-FFF2-40B4-BE49-F238E27FC236}">
-                <a16:creationId xmlns:a16="http://schemas.microsoft.com/office/drawing/2014/main" id="{16A00ED3-9362-2038-0D5F-B4CBF0FDE343}"/>
+                <a16:creationId xmlns:a16="http://schemas.microsoft.com/office/drawing/2014/main" id="{AF8B3324-DB4D-78F0-ED5B-3DEFCB459283}"/>
               </a:ext>
             </a:extLst>
           </p:cNvPr>
@@ -1306,9 +1306,9 @@
           <a:bodyPr/>
           <a:lstStyle/>
           <a:p>
-            <a:fld id="{8466E9E1-D808-4925-859F-35328966D38A}" type="datetimeFigureOut">
+            <a:fld id="{389C3E20-836B-4499-B694-BB697AB51FD3}" type="datetimeFigureOut">
               <a:rPr lang="en-US" smtClean="0"/>
-              <a:t>4/20/2024</a:t>
+              <a:t>5/15/2024</a:t>
             </a:fld>
             <a:endParaRPr lang="en-US"/>
           </a:p>
@@ -1319,7 +1319,7 @@
           <p:cNvPr id="5" name="Footer Placeholder 4">
             <a:extLst>
               <a:ext uri="{FF2B5EF4-FFF2-40B4-BE49-F238E27FC236}">
-                <a16:creationId xmlns:a16="http://schemas.microsoft.com/office/drawing/2014/main" id="{DD5B91B1-0CB6-3121-A37E-8CCA800DF201}"/>
+                <a16:creationId xmlns:a16="http://schemas.microsoft.com/office/drawing/2014/main" id="{B9CC72F4-87CF-2602-32A9-404247ED7CDF}"/>
               </a:ext>
             </a:extLst>
           </p:cNvPr>
@@ -1344,7 +1344,7 @@
           <p:cNvPr id="6" name="Slide Number Placeholder 5">
             <a:extLst>
               <a:ext uri="{FF2B5EF4-FFF2-40B4-BE49-F238E27FC236}">
-                <a16:creationId xmlns:a16="http://schemas.microsoft.com/office/drawing/2014/main" id="{B105583B-BDE9-C101-B3AB-A44156E00843}"/>
+                <a16:creationId xmlns:a16="http://schemas.microsoft.com/office/drawing/2014/main" id="{90FEAD5D-1040-2F50-3F3F-9965B0A470DF}"/>
               </a:ext>
             </a:extLst>
           </p:cNvPr>
@@ -1360,7 +1360,7 @@
           <a:bodyPr/>
           <a:lstStyle/>
           <a:p>
-            <a:fld id="{D386A255-500C-4444-A8EF-DF6EA7D626F9}" type="slidenum">
+            <a:fld id="{8DD3FFAB-BB3E-4AFB-9BA0-5DC47EBA1C6F}" type="slidenum">
               <a:rPr lang="en-US" smtClean="0"/>
               <a:t>‹#›</a:t>
             </a:fld>
@@ -1371,7 +1371,7 @@
     </p:spTree>
     <p:extLst>
       <p:ext uri="{BB962C8B-B14F-4D97-AF65-F5344CB8AC3E}">
-        <p14:creationId xmlns:p14="http://schemas.microsoft.com/office/powerpoint/2010/main" val="1461136605"/>
+        <p14:creationId xmlns:p14="http://schemas.microsoft.com/office/powerpoint/2010/main" val="2063101610"/>
       </p:ext>
     </p:extLst>
   </p:cSld>
@@ -1403,7 +1403,7 @@
           <p:cNvPr id="2" name="Title 1">
             <a:extLst>
               <a:ext uri="{FF2B5EF4-FFF2-40B4-BE49-F238E27FC236}">
-                <a16:creationId xmlns:a16="http://schemas.microsoft.com/office/drawing/2014/main" id="{39D73B18-8235-ACAB-EDBB-D7FA1E696ACE}"/>
+                <a16:creationId xmlns:a16="http://schemas.microsoft.com/office/drawing/2014/main" id="{CFC36CEA-A7A6-C548-8B9A-B2E9C1436D64}"/>
               </a:ext>
             </a:extLst>
           </p:cNvPr>
@@ -1440,7 +1440,7 @@
           <p:cNvPr id="3" name="Text Placeholder 2">
             <a:extLst>
               <a:ext uri="{FF2B5EF4-FFF2-40B4-BE49-F238E27FC236}">
-                <a16:creationId xmlns:a16="http://schemas.microsoft.com/office/drawing/2014/main" id="{E4D94661-2684-3233-0D41-5152BC0AD4C0}"/>
+                <a16:creationId xmlns:a16="http://schemas.microsoft.com/office/drawing/2014/main" id="{8F684822-58C3-F234-CB97-7BF4408353B4}"/>
               </a:ext>
             </a:extLst>
           </p:cNvPr>
@@ -1565,7 +1565,7 @@
           <p:cNvPr id="4" name="Date Placeholder 3">
             <a:extLst>
               <a:ext uri="{FF2B5EF4-FFF2-40B4-BE49-F238E27FC236}">
-                <a16:creationId xmlns:a16="http://schemas.microsoft.com/office/drawing/2014/main" id="{C49A1F73-77A0-58E0-9FB7-AD00E803A106}"/>
+                <a16:creationId xmlns:a16="http://schemas.microsoft.com/office/drawing/2014/main" id="{95F073E4-EFE9-FE60-498F-094F36B0E972}"/>
               </a:ext>
             </a:extLst>
           </p:cNvPr>
@@ -1581,9 +1581,9 @@
           <a:bodyPr/>
           <a:lstStyle/>
           <a:p>
-            <a:fld id="{8466E9E1-D808-4925-859F-35328966D38A}" type="datetimeFigureOut">
+            <a:fld id="{389C3E20-836B-4499-B694-BB697AB51FD3}" type="datetimeFigureOut">
               <a:rPr lang="en-US" smtClean="0"/>
-              <a:t>4/20/2024</a:t>
+              <a:t>5/15/2024</a:t>
             </a:fld>
             <a:endParaRPr lang="en-US"/>
           </a:p>
@@ -1594,7 +1594,7 @@
           <p:cNvPr id="5" name="Footer Placeholder 4">
             <a:extLst>
               <a:ext uri="{FF2B5EF4-FFF2-40B4-BE49-F238E27FC236}">
-                <a16:creationId xmlns:a16="http://schemas.microsoft.com/office/drawing/2014/main" id="{6373E082-FEBD-5832-8525-6642687FE1F7}"/>
+                <a16:creationId xmlns:a16="http://schemas.microsoft.com/office/drawing/2014/main" id="{C5BFC7FF-A683-4AE3-73A2-7C76B27B0DC1}"/>
               </a:ext>
             </a:extLst>
           </p:cNvPr>
@@ -1619,7 +1619,7 @@
           <p:cNvPr id="6" name="Slide Number Placeholder 5">
             <a:extLst>
               <a:ext uri="{FF2B5EF4-FFF2-40B4-BE49-F238E27FC236}">
-                <a16:creationId xmlns:a16="http://schemas.microsoft.com/office/drawing/2014/main" id="{5513FFFB-292A-313A-2078-AF07C6CE4BC9}"/>
+                <a16:creationId xmlns:a16="http://schemas.microsoft.com/office/drawing/2014/main" id="{C9EDC9C7-0FC4-DA13-5C04-0E21586017E2}"/>
               </a:ext>
             </a:extLst>
           </p:cNvPr>
@@ -1635,7 +1635,7 @@
           <a:bodyPr/>
           <a:lstStyle/>
           <a:p>
-            <a:fld id="{D386A255-500C-4444-A8EF-DF6EA7D626F9}" type="slidenum">
+            <a:fld id="{8DD3FFAB-BB3E-4AFB-9BA0-5DC47EBA1C6F}" type="slidenum">
               <a:rPr lang="en-US" smtClean="0"/>
               <a:t>‹#›</a:t>
             </a:fld>
@@ -1646,7 +1646,7 @@
     </p:spTree>
     <p:extLst>
       <p:ext uri="{BB962C8B-B14F-4D97-AF65-F5344CB8AC3E}">
-        <p14:creationId xmlns:p14="http://schemas.microsoft.com/office/powerpoint/2010/main" val="3216086456"/>
+        <p14:creationId xmlns:p14="http://schemas.microsoft.com/office/powerpoint/2010/main" val="626815521"/>
       </p:ext>
     </p:extLst>
   </p:cSld>
@@ -1678,7 +1678,7 @@
           <p:cNvPr id="2" name="Title 1">
             <a:extLst>
               <a:ext uri="{FF2B5EF4-FFF2-40B4-BE49-F238E27FC236}">
-                <a16:creationId xmlns:a16="http://schemas.microsoft.com/office/drawing/2014/main" id="{7EAF8F7E-C6E2-B613-5027-AA81DA2F4C2C}"/>
+                <a16:creationId xmlns:a16="http://schemas.microsoft.com/office/drawing/2014/main" id="{EE84678C-4D86-C01A-CED1-703C2A7102F8}"/>
               </a:ext>
             </a:extLst>
           </p:cNvPr>
@@ -1706,7 +1706,7 @@
           <p:cNvPr id="3" name="Content Placeholder 2">
             <a:extLst>
               <a:ext uri="{FF2B5EF4-FFF2-40B4-BE49-F238E27FC236}">
-                <a16:creationId xmlns:a16="http://schemas.microsoft.com/office/drawing/2014/main" id="{4B97EBCE-52EE-286A-3CD8-0D86424F7A20}"/>
+                <a16:creationId xmlns:a16="http://schemas.microsoft.com/office/drawing/2014/main" id="{E8DBFBF4-B358-C8F1-0653-392D0201EB5F}"/>
               </a:ext>
             </a:extLst>
           </p:cNvPr>
@@ -1768,7 +1768,7 @@
           <p:cNvPr id="4" name="Content Placeholder 3">
             <a:extLst>
               <a:ext uri="{FF2B5EF4-FFF2-40B4-BE49-F238E27FC236}">
-                <a16:creationId xmlns:a16="http://schemas.microsoft.com/office/drawing/2014/main" id="{83A2F83F-4193-9E30-6FED-62E6142A5FEA}"/>
+                <a16:creationId xmlns:a16="http://schemas.microsoft.com/office/drawing/2014/main" id="{4FCFDCA8-F35E-AFC9-9A0A-B9C85E4D805B}"/>
               </a:ext>
             </a:extLst>
           </p:cNvPr>
@@ -1830,7 +1830,7 @@
           <p:cNvPr id="5" name="Date Placeholder 4">
             <a:extLst>
               <a:ext uri="{FF2B5EF4-FFF2-40B4-BE49-F238E27FC236}">
-                <a16:creationId xmlns:a16="http://schemas.microsoft.com/office/drawing/2014/main" id="{72B6A545-EB92-8CA3-8EEC-1D9AA3872E6E}"/>
+                <a16:creationId xmlns:a16="http://schemas.microsoft.com/office/drawing/2014/main" id="{4A4F2665-4244-69B8-57E1-6D9D791A4132}"/>
               </a:ext>
             </a:extLst>
           </p:cNvPr>
@@ -1846,9 +1846,9 @@
           <a:bodyPr/>
           <a:lstStyle/>
           <a:p>
-            <a:fld id="{8466E9E1-D808-4925-859F-35328966D38A}" type="datetimeFigureOut">
+            <a:fld id="{389C3E20-836B-4499-B694-BB697AB51FD3}" type="datetimeFigureOut">
               <a:rPr lang="en-US" smtClean="0"/>
-              <a:t>4/20/2024</a:t>
+              <a:t>5/15/2024</a:t>
             </a:fld>
             <a:endParaRPr lang="en-US"/>
           </a:p>
@@ -1859,7 +1859,7 @@
           <p:cNvPr id="6" name="Footer Placeholder 5">
             <a:extLst>
               <a:ext uri="{FF2B5EF4-FFF2-40B4-BE49-F238E27FC236}">
-                <a16:creationId xmlns:a16="http://schemas.microsoft.com/office/drawing/2014/main" id="{90B5FD4E-C62F-EC10-5673-CE1C8E6A1D84}"/>
+                <a16:creationId xmlns:a16="http://schemas.microsoft.com/office/drawing/2014/main" id="{28BC3502-FB34-4979-7AB7-B4DFA02DD170}"/>
               </a:ext>
             </a:extLst>
           </p:cNvPr>
@@ -1884,7 +1884,7 @@
           <p:cNvPr id="7" name="Slide Number Placeholder 6">
             <a:extLst>
               <a:ext uri="{FF2B5EF4-FFF2-40B4-BE49-F238E27FC236}">
-                <a16:creationId xmlns:a16="http://schemas.microsoft.com/office/drawing/2014/main" id="{02187DA2-609E-2725-A890-2E3F66EC6F3F}"/>
+                <a16:creationId xmlns:a16="http://schemas.microsoft.com/office/drawing/2014/main" id="{254A5EDC-B7AE-8D88-556D-6A81088AA705}"/>
               </a:ext>
             </a:extLst>
           </p:cNvPr>
@@ -1900,7 +1900,7 @@
           <a:bodyPr/>
           <a:lstStyle/>
           <a:p>
-            <a:fld id="{D386A255-500C-4444-A8EF-DF6EA7D626F9}" type="slidenum">
+            <a:fld id="{8DD3FFAB-BB3E-4AFB-9BA0-5DC47EBA1C6F}" type="slidenum">
               <a:rPr lang="en-US" smtClean="0"/>
               <a:t>‹#›</a:t>
             </a:fld>
@@ -1911,7 +1911,7 @@
     </p:spTree>
     <p:extLst>
       <p:ext uri="{BB962C8B-B14F-4D97-AF65-F5344CB8AC3E}">
-        <p14:creationId xmlns:p14="http://schemas.microsoft.com/office/powerpoint/2010/main" val="4280770609"/>
+        <p14:creationId xmlns:p14="http://schemas.microsoft.com/office/powerpoint/2010/main" val="1420041144"/>
       </p:ext>
     </p:extLst>
   </p:cSld>
@@ -1943,7 +1943,7 @@
           <p:cNvPr id="2" name="Title 1">
             <a:extLst>
               <a:ext uri="{FF2B5EF4-FFF2-40B4-BE49-F238E27FC236}">
-                <a16:creationId xmlns:a16="http://schemas.microsoft.com/office/drawing/2014/main" id="{71999FC7-646B-890D-C116-9CEC17F5112B}"/>
+                <a16:creationId xmlns:a16="http://schemas.microsoft.com/office/drawing/2014/main" id="{D1D87798-885C-BE98-7C8F-645580ADC9CD}"/>
               </a:ext>
             </a:extLst>
           </p:cNvPr>
@@ -1976,7 +1976,7 @@
           <p:cNvPr id="3" name="Text Placeholder 2">
             <a:extLst>
               <a:ext uri="{FF2B5EF4-FFF2-40B4-BE49-F238E27FC236}">
-                <a16:creationId xmlns:a16="http://schemas.microsoft.com/office/drawing/2014/main" id="{3771DD72-F543-960E-697F-C050B89015AC}"/>
+                <a16:creationId xmlns:a16="http://schemas.microsoft.com/office/drawing/2014/main" id="{AB135BD5-ECC5-F3E8-0AC3-EA1FD92C2251}"/>
               </a:ext>
             </a:extLst>
           </p:cNvPr>
@@ -2047,7 +2047,7 @@
           <p:cNvPr id="4" name="Content Placeholder 3">
             <a:extLst>
               <a:ext uri="{FF2B5EF4-FFF2-40B4-BE49-F238E27FC236}">
-                <a16:creationId xmlns:a16="http://schemas.microsoft.com/office/drawing/2014/main" id="{092A2A9F-68BB-4957-785F-F6D35FE909E4}"/>
+                <a16:creationId xmlns:a16="http://schemas.microsoft.com/office/drawing/2014/main" id="{3F9E0D6B-C272-477F-AE1C-768AFB90925E}"/>
               </a:ext>
             </a:extLst>
           </p:cNvPr>
@@ -2109,7 +2109,7 @@
           <p:cNvPr id="5" name="Text Placeholder 4">
             <a:extLst>
               <a:ext uri="{FF2B5EF4-FFF2-40B4-BE49-F238E27FC236}">
-                <a16:creationId xmlns:a16="http://schemas.microsoft.com/office/drawing/2014/main" id="{E488303E-769D-3BC1-6B23-D277B5473C47}"/>
+                <a16:creationId xmlns:a16="http://schemas.microsoft.com/office/drawing/2014/main" id="{04728D6A-14B6-4AA3-A1B1-392BCE27C1F8}"/>
               </a:ext>
             </a:extLst>
           </p:cNvPr>
@@ -2180,7 +2180,7 @@
           <p:cNvPr id="6" name="Content Placeholder 5">
             <a:extLst>
               <a:ext uri="{FF2B5EF4-FFF2-40B4-BE49-F238E27FC236}">
-                <a16:creationId xmlns:a16="http://schemas.microsoft.com/office/drawing/2014/main" id="{EF26AE38-A5EE-B042-2141-75E6F0517AE1}"/>
+                <a16:creationId xmlns:a16="http://schemas.microsoft.com/office/drawing/2014/main" id="{E4CD41CE-D101-AE74-F107-73A410AE4264}"/>
               </a:ext>
             </a:extLst>
           </p:cNvPr>
@@ -2242,7 +2242,7 @@
           <p:cNvPr id="7" name="Date Placeholder 6">
             <a:extLst>
               <a:ext uri="{FF2B5EF4-FFF2-40B4-BE49-F238E27FC236}">
-                <a16:creationId xmlns:a16="http://schemas.microsoft.com/office/drawing/2014/main" id="{C6CB97E1-E7A2-331F-3FCD-49F83C368DEA}"/>
+                <a16:creationId xmlns:a16="http://schemas.microsoft.com/office/drawing/2014/main" id="{8FAEFB5D-AB20-1EBD-2D20-3495088857CE}"/>
               </a:ext>
             </a:extLst>
           </p:cNvPr>
@@ -2258,9 +2258,9 @@
           <a:bodyPr/>
           <a:lstStyle/>
           <a:p>
-            <a:fld id="{8466E9E1-D808-4925-859F-35328966D38A}" type="datetimeFigureOut">
+            <a:fld id="{389C3E20-836B-4499-B694-BB697AB51FD3}" type="datetimeFigureOut">
               <a:rPr lang="en-US" smtClean="0"/>
-              <a:t>4/20/2024</a:t>
+              <a:t>5/15/2024</a:t>
             </a:fld>
             <a:endParaRPr lang="en-US"/>
           </a:p>
@@ -2271,7 +2271,7 @@
           <p:cNvPr id="8" name="Footer Placeholder 7">
             <a:extLst>
               <a:ext uri="{FF2B5EF4-FFF2-40B4-BE49-F238E27FC236}">
-                <a16:creationId xmlns:a16="http://schemas.microsoft.com/office/drawing/2014/main" id="{D9FE5ABB-4736-2C66-575B-CC1EB17D0BE8}"/>
+                <a16:creationId xmlns:a16="http://schemas.microsoft.com/office/drawing/2014/main" id="{DA5561B4-9EF8-21AE-1D96-BFD7367BBB18}"/>
               </a:ext>
             </a:extLst>
           </p:cNvPr>
@@ -2296,7 +2296,7 @@
           <p:cNvPr id="9" name="Slide Number Placeholder 8">
             <a:extLst>
               <a:ext uri="{FF2B5EF4-FFF2-40B4-BE49-F238E27FC236}">
-                <a16:creationId xmlns:a16="http://schemas.microsoft.com/office/drawing/2014/main" id="{4B9B5A58-6C71-EFDC-524C-E1E8A56FCE08}"/>
+                <a16:creationId xmlns:a16="http://schemas.microsoft.com/office/drawing/2014/main" id="{6FE6545B-7D40-7D98-9775-EBAF60B0EFF1}"/>
               </a:ext>
             </a:extLst>
           </p:cNvPr>
@@ -2312,7 +2312,7 @@
           <a:bodyPr/>
           <a:lstStyle/>
           <a:p>
-            <a:fld id="{D386A255-500C-4444-A8EF-DF6EA7D626F9}" type="slidenum">
+            <a:fld id="{8DD3FFAB-BB3E-4AFB-9BA0-5DC47EBA1C6F}" type="slidenum">
               <a:rPr lang="en-US" smtClean="0"/>
               <a:t>‹#›</a:t>
             </a:fld>
@@ -2323,7 +2323,7 @@
     </p:spTree>
     <p:extLst>
       <p:ext uri="{BB962C8B-B14F-4D97-AF65-F5344CB8AC3E}">
-        <p14:creationId xmlns:p14="http://schemas.microsoft.com/office/powerpoint/2010/main" val="1955865120"/>
+        <p14:creationId xmlns:p14="http://schemas.microsoft.com/office/powerpoint/2010/main" val="2357934839"/>
       </p:ext>
     </p:extLst>
   </p:cSld>
@@ -2355,7 +2355,7 @@
           <p:cNvPr id="2" name="Title 1">
             <a:extLst>
               <a:ext uri="{FF2B5EF4-FFF2-40B4-BE49-F238E27FC236}">
-                <a16:creationId xmlns:a16="http://schemas.microsoft.com/office/drawing/2014/main" id="{626C2651-C77C-726A-8A9B-CCD33F4D8901}"/>
+                <a16:creationId xmlns:a16="http://schemas.microsoft.com/office/drawing/2014/main" id="{C147F540-18CF-BEFD-C40C-0B9DD979C46B}"/>
               </a:ext>
             </a:extLst>
           </p:cNvPr>
@@ -2383,7 +2383,7 @@
           <p:cNvPr id="3" name="Date Placeholder 2">
             <a:extLst>
               <a:ext uri="{FF2B5EF4-FFF2-40B4-BE49-F238E27FC236}">
-                <a16:creationId xmlns:a16="http://schemas.microsoft.com/office/drawing/2014/main" id="{3BDE4C62-B76A-1B53-60B2-D1C906D364E5}"/>
+                <a16:creationId xmlns:a16="http://schemas.microsoft.com/office/drawing/2014/main" id="{7A3253C4-9708-133B-2CA2-4B385B498A7D}"/>
               </a:ext>
             </a:extLst>
           </p:cNvPr>
@@ -2399,9 +2399,9 @@
           <a:bodyPr/>
           <a:lstStyle/>
           <a:p>
-            <a:fld id="{8466E9E1-D808-4925-859F-35328966D38A}" type="datetimeFigureOut">
+            <a:fld id="{389C3E20-836B-4499-B694-BB697AB51FD3}" type="datetimeFigureOut">
               <a:rPr lang="en-US" smtClean="0"/>
-              <a:t>4/20/2024</a:t>
+              <a:t>5/15/2024</a:t>
             </a:fld>
             <a:endParaRPr lang="en-US"/>
           </a:p>
@@ -2412,7 +2412,7 @@
           <p:cNvPr id="4" name="Footer Placeholder 3">
             <a:extLst>
               <a:ext uri="{FF2B5EF4-FFF2-40B4-BE49-F238E27FC236}">
-                <a16:creationId xmlns:a16="http://schemas.microsoft.com/office/drawing/2014/main" id="{4C6823C0-0D97-CC16-8D8A-64FFAE84EE81}"/>
+                <a16:creationId xmlns:a16="http://schemas.microsoft.com/office/drawing/2014/main" id="{011078AC-0669-A12F-BC35-062BE9935146}"/>
               </a:ext>
             </a:extLst>
           </p:cNvPr>
@@ -2437,7 +2437,7 @@
           <p:cNvPr id="5" name="Slide Number Placeholder 4">
             <a:extLst>
               <a:ext uri="{FF2B5EF4-FFF2-40B4-BE49-F238E27FC236}">
-                <a16:creationId xmlns:a16="http://schemas.microsoft.com/office/drawing/2014/main" id="{A8E517A7-2DE2-4E36-AA90-EC158A085FA5}"/>
+                <a16:creationId xmlns:a16="http://schemas.microsoft.com/office/drawing/2014/main" id="{1330C0F0-B50D-EB79-8303-F4C4912B5B6D}"/>
               </a:ext>
             </a:extLst>
           </p:cNvPr>
@@ -2453,7 +2453,7 @@
           <a:bodyPr/>
           <a:lstStyle/>
           <a:p>
-            <a:fld id="{D386A255-500C-4444-A8EF-DF6EA7D626F9}" type="slidenum">
+            <a:fld id="{8DD3FFAB-BB3E-4AFB-9BA0-5DC47EBA1C6F}" type="slidenum">
               <a:rPr lang="en-US" smtClean="0"/>
               <a:t>‹#›</a:t>
             </a:fld>
@@ -2464,7 +2464,7 @@
     </p:spTree>
     <p:extLst>
       <p:ext uri="{BB962C8B-B14F-4D97-AF65-F5344CB8AC3E}">
-        <p14:creationId xmlns:p14="http://schemas.microsoft.com/office/powerpoint/2010/main" val="148799708"/>
+        <p14:creationId xmlns:p14="http://schemas.microsoft.com/office/powerpoint/2010/main" val="1183608555"/>
       </p:ext>
     </p:extLst>
   </p:cSld>
@@ -2496,7 +2496,7 @@
           <p:cNvPr id="2" name="Date Placeholder 1">
             <a:extLst>
               <a:ext uri="{FF2B5EF4-FFF2-40B4-BE49-F238E27FC236}">
-                <a16:creationId xmlns:a16="http://schemas.microsoft.com/office/drawing/2014/main" id="{9635B308-9F4E-0F06-6B24-F8F4E88CE9F3}"/>
+                <a16:creationId xmlns:a16="http://schemas.microsoft.com/office/drawing/2014/main" id="{F5C85F9B-0CD0-0397-811E-91A01D14C57D}"/>
               </a:ext>
             </a:extLst>
           </p:cNvPr>
@@ -2512,9 +2512,9 @@
           <a:bodyPr/>
           <a:lstStyle/>
           <a:p>
-            <a:fld id="{8466E9E1-D808-4925-859F-35328966D38A}" type="datetimeFigureOut">
+            <a:fld id="{389C3E20-836B-4499-B694-BB697AB51FD3}" type="datetimeFigureOut">
               <a:rPr lang="en-US" smtClean="0"/>
-              <a:t>4/20/2024</a:t>
+              <a:t>5/15/2024</a:t>
             </a:fld>
             <a:endParaRPr lang="en-US"/>
           </a:p>
@@ -2525,7 +2525,7 @@
           <p:cNvPr id="3" name="Footer Placeholder 2">
             <a:extLst>
               <a:ext uri="{FF2B5EF4-FFF2-40B4-BE49-F238E27FC236}">
-                <a16:creationId xmlns:a16="http://schemas.microsoft.com/office/drawing/2014/main" id="{B4718804-4568-4059-859E-2D7109F7560E}"/>
+                <a16:creationId xmlns:a16="http://schemas.microsoft.com/office/drawing/2014/main" id="{A05A1077-5EC1-E5E5-5B0D-8FB0E1C6DB46}"/>
               </a:ext>
             </a:extLst>
           </p:cNvPr>
@@ -2550,7 +2550,7 @@
           <p:cNvPr id="4" name="Slide Number Placeholder 3">
             <a:extLst>
               <a:ext uri="{FF2B5EF4-FFF2-40B4-BE49-F238E27FC236}">
-                <a16:creationId xmlns:a16="http://schemas.microsoft.com/office/drawing/2014/main" id="{77DC4B33-9C83-0C61-A8C7-A4163E4FFBA2}"/>
+                <a16:creationId xmlns:a16="http://schemas.microsoft.com/office/drawing/2014/main" id="{67DB5138-73F0-EDB5-B879-4DB3AD5955F5}"/>
               </a:ext>
             </a:extLst>
           </p:cNvPr>
@@ -2566,7 +2566,7 @@
           <a:bodyPr/>
           <a:lstStyle/>
           <a:p>
-            <a:fld id="{D386A255-500C-4444-A8EF-DF6EA7D626F9}" type="slidenum">
+            <a:fld id="{8DD3FFAB-BB3E-4AFB-9BA0-5DC47EBA1C6F}" type="slidenum">
               <a:rPr lang="en-US" smtClean="0"/>
               <a:t>‹#›</a:t>
             </a:fld>
@@ -2577,7 +2577,7 @@
     </p:spTree>
     <p:extLst>
       <p:ext uri="{BB962C8B-B14F-4D97-AF65-F5344CB8AC3E}">
-        <p14:creationId xmlns:p14="http://schemas.microsoft.com/office/powerpoint/2010/main" val="3337045577"/>
+        <p14:creationId xmlns:p14="http://schemas.microsoft.com/office/powerpoint/2010/main" val="2025858933"/>
       </p:ext>
     </p:extLst>
   </p:cSld>
@@ -2609,7 +2609,7 @@
           <p:cNvPr id="2" name="Title 1">
             <a:extLst>
               <a:ext uri="{FF2B5EF4-FFF2-40B4-BE49-F238E27FC236}">
-                <a16:creationId xmlns:a16="http://schemas.microsoft.com/office/drawing/2014/main" id="{0FEB9B2C-1DC7-313B-7A5E-2F6E013903FF}"/>
+                <a16:creationId xmlns:a16="http://schemas.microsoft.com/office/drawing/2014/main" id="{5C40ED46-B763-72B8-C110-FCA04A9EB36C}"/>
               </a:ext>
             </a:extLst>
           </p:cNvPr>
@@ -2646,7 +2646,7 @@
           <p:cNvPr id="3" name="Content Placeholder 2">
             <a:extLst>
               <a:ext uri="{FF2B5EF4-FFF2-40B4-BE49-F238E27FC236}">
-                <a16:creationId xmlns:a16="http://schemas.microsoft.com/office/drawing/2014/main" id="{C916DA8A-4EA8-F62E-0A00-3405284D5B43}"/>
+                <a16:creationId xmlns:a16="http://schemas.microsoft.com/office/drawing/2014/main" id="{A3E754AB-B31B-A3A4-9FCF-459E00E2B4EA}"/>
               </a:ext>
             </a:extLst>
           </p:cNvPr>
@@ -2736,7 +2736,7 @@
           <p:cNvPr id="4" name="Text Placeholder 3">
             <a:extLst>
               <a:ext uri="{FF2B5EF4-FFF2-40B4-BE49-F238E27FC236}">
-                <a16:creationId xmlns:a16="http://schemas.microsoft.com/office/drawing/2014/main" id="{EC8EAEAB-F6F9-A68A-2A31-E37823DD7DAD}"/>
+                <a16:creationId xmlns:a16="http://schemas.microsoft.com/office/drawing/2014/main" id="{AE11CA7D-EA6C-C057-28B7-306D10FC16F9}"/>
               </a:ext>
             </a:extLst>
           </p:cNvPr>
@@ -2807,7 +2807,7 @@
           <p:cNvPr id="5" name="Date Placeholder 4">
             <a:extLst>
               <a:ext uri="{FF2B5EF4-FFF2-40B4-BE49-F238E27FC236}">
-                <a16:creationId xmlns:a16="http://schemas.microsoft.com/office/drawing/2014/main" id="{B0887401-BAF2-1016-EC22-9466FA36B54A}"/>
+                <a16:creationId xmlns:a16="http://schemas.microsoft.com/office/drawing/2014/main" id="{B0ADF236-3425-F45D-A831-BA0438BD88F5}"/>
               </a:ext>
             </a:extLst>
           </p:cNvPr>
@@ -2823,9 +2823,9 @@
           <a:bodyPr/>
           <a:lstStyle/>
           <a:p>
-            <a:fld id="{8466E9E1-D808-4925-859F-35328966D38A}" type="datetimeFigureOut">
+            <a:fld id="{389C3E20-836B-4499-B694-BB697AB51FD3}" type="datetimeFigureOut">
               <a:rPr lang="en-US" smtClean="0"/>
-              <a:t>4/20/2024</a:t>
+              <a:t>5/15/2024</a:t>
             </a:fld>
             <a:endParaRPr lang="en-US"/>
           </a:p>
@@ -2836,7 +2836,7 @@
           <p:cNvPr id="6" name="Footer Placeholder 5">
             <a:extLst>
               <a:ext uri="{FF2B5EF4-FFF2-40B4-BE49-F238E27FC236}">
-                <a16:creationId xmlns:a16="http://schemas.microsoft.com/office/drawing/2014/main" id="{798E2803-1A6E-5E55-D888-BAA11A8B05FD}"/>
+                <a16:creationId xmlns:a16="http://schemas.microsoft.com/office/drawing/2014/main" id="{2B6E4F50-36BE-F428-CFDF-7552C132CBC7}"/>
               </a:ext>
             </a:extLst>
           </p:cNvPr>
@@ -2861,7 +2861,7 @@
           <p:cNvPr id="7" name="Slide Number Placeholder 6">
             <a:extLst>
               <a:ext uri="{FF2B5EF4-FFF2-40B4-BE49-F238E27FC236}">
-                <a16:creationId xmlns:a16="http://schemas.microsoft.com/office/drawing/2014/main" id="{446EC3DF-D1B5-4CD7-BC46-128B6310DE0E}"/>
+                <a16:creationId xmlns:a16="http://schemas.microsoft.com/office/drawing/2014/main" id="{27711C55-99CC-94DD-909A-9E69EF95DBF6}"/>
               </a:ext>
             </a:extLst>
           </p:cNvPr>
@@ -2877,7 +2877,7 @@
           <a:bodyPr/>
           <a:lstStyle/>
           <a:p>
-            <a:fld id="{D386A255-500C-4444-A8EF-DF6EA7D626F9}" type="slidenum">
+            <a:fld id="{8DD3FFAB-BB3E-4AFB-9BA0-5DC47EBA1C6F}" type="slidenum">
               <a:rPr lang="en-US" smtClean="0"/>
               <a:t>‹#›</a:t>
             </a:fld>
@@ -2888,7 +2888,7 @@
     </p:spTree>
     <p:extLst>
       <p:ext uri="{BB962C8B-B14F-4D97-AF65-F5344CB8AC3E}">
-        <p14:creationId xmlns:p14="http://schemas.microsoft.com/office/powerpoint/2010/main" val="4279165637"/>
+        <p14:creationId xmlns:p14="http://schemas.microsoft.com/office/powerpoint/2010/main" val="3410252434"/>
       </p:ext>
     </p:extLst>
   </p:cSld>
@@ -2920,7 +2920,7 @@
           <p:cNvPr id="2" name="Title 1">
             <a:extLst>
               <a:ext uri="{FF2B5EF4-FFF2-40B4-BE49-F238E27FC236}">
-                <a16:creationId xmlns:a16="http://schemas.microsoft.com/office/drawing/2014/main" id="{CD354C8F-F32B-AA1E-BD36-91BCC09D013F}"/>
+                <a16:creationId xmlns:a16="http://schemas.microsoft.com/office/drawing/2014/main" id="{BA625423-7A3B-EBB2-6837-9B5AD963AC9A}"/>
               </a:ext>
             </a:extLst>
           </p:cNvPr>
@@ -2957,7 +2957,7 @@
           <p:cNvPr id="3" name="Picture Placeholder 2">
             <a:extLst>
               <a:ext uri="{FF2B5EF4-FFF2-40B4-BE49-F238E27FC236}">
-                <a16:creationId xmlns:a16="http://schemas.microsoft.com/office/drawing/2014/main" id="{8DE38F18-54E9-58BA-39D7-3D4DA335B630}"/>
+                <a16:creationId xmlns:a16="http://schemas.microsoft.com/office/drawing/2014/main" id="{D457FA9C-5A48-3DEB-EF50-3A5009F20360}"/>
               </a:ext>
             </a:extLst>
           </p:cNvPr>
@@ -3024,7 +3024,7 @@
           <p:cNvPr id="4" name="Text Placeholder 3">
             <a:extLst>
               <a:ext uri="{FF2B5EF4-FFF2-40B4-BE49-F238E27FC236}">
-                <a16:creationId xmlns:a16="http://schemas.microsoft.com/office/drawing/2014/main" id="{C4AF5FED-2FD4-A2BA-9646-9973AFD18E0D}"/>
+                <a16:creationId xmlns:a16="http://schemas.microsoft.com/office/drawing/2014/main" id="{DEC1749F-6B67-3BED-C747-CF558593CB2A}"/>
               </a:ext>
             </a:extLst>
           </p:cNvPr>
@@ -3095,7 +3095,7 @@
           <p:cNvPr id="5" name="Date Placeholder 4">
             <a:extLst>
               <a:ext uri="{FF2B5EF4-FFF2-40B4-BE49-F238E27FC236}">
-                <a16:creationId xmlns:a16="http://schemas.microsoft.com/office/drawing/2014/main" id="{C8A51627-C1A6-30BC-C73D-E267501C52E6}"/>
+                <a16:creationId xmlns:a16="http://schemas.microsoft.com/office/drawing/2014/main" id="{0073538C-F7D0-96F4-B663-4EDA5B229178}"/>
               </a:ext>
             </a:extLst>
           </p:cNvPr>
@@ -3111,9 +3111,9 @@
           <a:bodyPr/>
           <a:lstStyle/>
           <a:p>
-            <a:fld id="{8466E9E1-D808-4925-859F-35328966D38A}" type="datetimeFigureOut">
+            <a:fld id="{389C3E20-836B-4499-B694-BB697AB51FD3}" type="datetimeFigureOut">
               <a:rPr lang="en-US" smtClean="0"/>
-              <a:t>4/20/2024</a:t>
+              <a:t>5/15/2024</a:t>
             </a:fld>
             <a:endParaRPr lang="en-US"/>
           </a:p>
@@ -3124,7 +3124,7 @@
           <p:cNvPr id="6" name="Footer Placeholder 5">
             <a:extLst>
               <a:ext uri="{FF2B5EF4-FFF2-40B4-BE49-F238E27FC236}">
-                <a16:creationId xmlns:a16="http://schemas.microsoft.com/office/drawing/2014/main" id="{201F74A4-1354-0008-40C0-64EBF6528727}"/>
+                <a16:creationId xmlns:a16="http://schemas.microsoft.com/office/drawing/2014/main" id="{9405728C-14C7-9C86-0637-7A667D43EB22}"/>
               </a:ext>
             </a:extLst>
           </p:cNvPr>
@@ -3149,7 +3149,7 @@
           <p:cNvPr id="7" name="Slide Number Placeholder 6">
             <a:extLst>
               <a:ext uri="{FF2B5EF4-FFF2-40B4-BE49-F238E27FC236}">
-                <a16:creationId xmlns:a16="http://schemas.microsoft.com/office/drawing/2014/main" id="{A7552D45-79E3-F7ED-585B-F74FB14486DB}"/>
+                <a16:creationId xmlns:a16="http://schemas.microsoft.com/office/drawing/2014/main" id="{4B04CB27-E1D5-B528-36E0-E08CFD8B16CE}"/>
               </a:ext>
             </a:extLst>
           </p:cNvPr>
@@ -3165,7 +3165,7 @@
           <a:bodyPr/>
           <a:lstStyle/>
           <a:p>
-            <a:fld id="{D386A255-500C-4444-A8EF-DF6EA7D626F9}" type="slidenum">
+            <a:fld id="{8DD3FFAB-BB3E-4AFB-9BA0-5DC47EBA1C6F}" type="slidenum">
               <a:rPr lang="en-US" smtClean="0"/>
               <a:t>‹#›</a:t>
             </a:fld>
@@ -3176,7 +3176,7 @@
     </p:spTree>
     <p:extLst>
       <p:ext uri="{BB962C8B-B14F-4D97-AF65-F5344CB8AC3E}">
-        <p14:creationId xmlns:p14="http://schemas.microsoft.com/office/powerpoint/2010/main" val="4277375181"/>
+        <p14:creationId xmlns:p14="http://schemas.microsoft.com/office/powerpoint/2010/main" val="2170517620"/>
       </p:ext>
     </p:extLst>
   </p:cSld>
@@ -3213,7 +3213,7 @@
           <p:cNvPr id="2" name="Title Placeholder 1">
             <a:extLst>
               <a:ext uri="{FF2B5EF4-FFF2-40B4-BE49-F238E27FC236}">
-                <a16:creationId xmlns:a16="http://schemas.microsoft.com/office/drawing/2014/main" id="{D6CC8F22-2DDE-EC54-3089-62AA05A45ECB}"/>
+                <a16:creationId xmlns:a16="http://schemas.microsoft.com/office/drawing/2014/main" id="{5BB6323C-4D41-E9D0-D216-4BE28998BD4F}"/>
               </a:ext>
             </a:extLst>
           </p:cNvPr>
@@ -3251,7 +3251,7 @@
           <p:cNvPr id="3" name="Text Placeholder 2">
             <a:extLst>
               <a:ext uri="{FF2B5EF4-FFF2-40B4-BE49-F238E27FC236}">
-                <a16:creationId xmlns:a16="http://schemas.microsoft.com/office/drawing/2014/main" id="{914DAFDA-B234-F963-98A9-ADB9E92BA4E7}"/>
+                <a16:creationId xmlns:a16="http://schemas.microsoft.com/office/drawing/2014/main" id="{B0F3F241-A90A-36A0-8D43-75209A8BACEF}"/>
               </a:ext>
             </a:extLst>
           </p:cNvPr>
@@ -3318,7 +3318,7 @@
           <p:cNvPr id="4" name="Date Placeholder 3">
             <a:extLst>
               <a:ext uri="{FF2B5EF4-FFF2-40B4-BE49-F238E27FC236}">
-                <a16:creationId xmlns:a16="http://schemas.microsoft.com/office/drawing/2014/main" id="{B84D5C04-4A82-B461-7B23-018CB3187A6A}"/>
+                <a16:creationId xmlns:a16="http://schemas.microsoft.com/office/drawing/2014/main" id="{CC7F226E-2E59-6837-26A5-B891F2760D11}"/>
               </a:ext>
             </a:extLst>
           </p:cNvPr>
@@ -3352,9 +3352,9 @@
             </a:lvl1pPr>
           </a:lstStyle>
           <a:p>
-            <a:fld id="{8466E9E1-D808-4925-859F-35328966D38A}" type="datetimeFigureOut">
+            <a:fld id="{389C3E20-836B-4499-B694-BB697AB51FD3}" type="datetimeFigureOut">
               <a:rPr lang="en-US" smtClean="0"/>
-              <a:t>4/20/2024</a:t>
+              <a:t>5/15/2024</a:t>
             </a:fld>
             <a:endParaRPr lang="en-US"/>
           </a:p>
@@ -3365,7 +3365,7 @@
           <p:cNvPr id="5" name="Footer Placeholder 4">
             <a:extLst>
               <a:ext uri="{FF2B5EF4-FFF2-40B4-BE49-F238E27FC236}">
-                <a16:creationId xmlns:a16="http://schemas.microsoft.com/office/drawing/2014/main" id="{35BD72B9-6A9A-876B-6FF3-34F44C58453C}"/>
+                <a16:creationId xmlns:a16="http://schemas.microsoft.com/office/drawing/2014/main" id="{CA7FB80D-4628-C747-B203-4EFA615190EC}"/>
               </a:ext>
             </a:extLst>
           </p:cNvPr>
@@ -3408,7 +3408,7 @@
           <p:cNvPr id="6" name="Slide Number Placeholder 5">
             <a:extLst>
               <a:ext uri="{FF2B5EF4-FFF2-40B4-BE49-F238E27FC236}">
-                <a16:creationId xmlns:a16="http://schemas.microsoft.com/office/drawing/2014/main" id="{39B606E9-997D-01CB-5913-07CCFB2743AC}"/>
+                <a16:creationId xmlns:a16="http://schemas.microsoft.com/office/drawing/2014/main" id="{33BF0B01-9EE0-4C24-8614-7E302B10AC17}"/>
               </a:ext>
             </a:extLst>
           </p:cNvPr>
@@ -3442,7 +3442,7 @@
             </a:lvl1pPr>
           </a:lstStyle>
           <a:p>
-            <a:fld id="{D386A255-500C-4444-A8EF-DF6EA7D626F9}" type="slidenum">
+            <a:fld id="{8DD3FFAB-BB3E-4AFB-9BA0-5DC47EBA1C6F}" type="slidenum">
               <a:rPr lang="en-US" smtClean="0"/>
               <a:t>‹#›</a:t>
             </a:fld>
@@ -3453,7 +3453,7 @@
     </p:spTree>
     <p:extLst>
       <p:ext uri="{BB962C8B-B14F-4D97-AF65-F5344CB8AC3E}">
-        <p14:creationId xmlns:p14="http://schemas.microsoft.com/office/powerpoint/2010/main" val="379193557"/>
+        <p14:creationId xmlns:p14="http://schemas.microsoft.com/office/powerpoint/2010/main" val="1951057264"/>
       </p:ext>
     </p:extLst>
   </p:cSld>
@@ -3976,6 +3976,40 @@
           <a:lstStyle/>
           <a:p>
             <a:r>
+              <a:rPr lang="th-TH" dirty="0">
+                <a:latin typeface="TH SarabunPSK" panose="020B0500040200020003" pitchFamily="34" charset="-34"/>
+                <a:cs typeface="TH SarabunPSK" panose="020B0500040200020003" pitchFamily="34" charset="-34"/>
+              </a:rPr>
+              <a:t>บทที่ 5 การเตรียมข้อมูลสำหรับการแสดงผล 1 </a:t>
+            </a:r>
+            <a:r>
+              <a:rPr lang="en-US" dirty="0">
+                <a:latin typeface="TH SarabunPSK" panose="020B0500040200020003" pitchFamily="34" charset="-34"/>
+                <a:cs typeface="TH SarabunPSK" panose="020B0500040200020003" pitchFamily="34" charset="-34"/>
+              </a:rPr>
+              <a:t>(</a:t>
+            </a:r>
+            <a:r>
+              <a:rPr lang="th-TH" dirty="0">
+                <a:latin typeface="TH SarabunPSK" panose="020B0500040200020003" pitchFamily="34" charset="-34"/>
+                <a:cs typeface="TH SarabunPSK" panose="020B0500040200020003" pitchFamily="34" charset="-34"/>
+              </a:rPr>
+              <a:t>ต่อ</a:t>
+            </a:r>
+            <a:r>
+              <a:rPr lang="en-US" dirty="0">
+                <a:latin typeface="TH SarabunPSK" panose="020B0500040200020003" pitchFamily="34" charset="-34"/>
+                <a:cs typeface="TH SarabunPSK" panose="020B0500040200020003" pitchFamily="34" charset="-34"/>
+              </a:rPr>
+              <a:t>)</a:t>
+            </a:r>
+            <a:endParaRPr lang="th-TH" dirty="0">
+              <a:latin typeface="TH SarabunPSK" panose="020B0500040200020003" pitchFamily="34" charset="-34"/>
+              <a:cs typeface="TH SarabunPSK" panose="020B0500040200020003" pitchFamily="34" charset="-34"/>
+            </a:endParaRPr>
+          </a:p>
+          <a:p>
+            <a:r>
               <a:rPr lang="en-US" dirty="0">
                 <a:latin typeface="TH SarabunPSK" panose="020B0500040200020003" pitchFamily="34" charset="-34"/>
                 <a:cs typeface="TH SarabunPSK" panose="020B0500040200020003" pitchFamily="34" charset="-34"/>
@@ -9644,7 +9678,7 @@
                 <a:latin typeface="TH SarabunPSK" panose="020B0500040200020003" pitchFamily="34" charset="-34"/>
                 <a:cs typeface="TH SarabunPSK" panose="020B0500040200020003" pitchFamily="34" charset="-34"/>
               </a:rPr>
-              <a:t>)</a:t>
+              <a:t>[])</a:t>
             </a:r>
           </a:p>
         </p:txBody>
@@ -11598,6 +11632,13 @@
               <a:t>iloc</a:t>
             </a:r>
             <a:r>
+              <a:rPr lang="en-US" dirty="0">
+                <a:latin typeface="TH SarabunPSK" panose="020B0500040200020003" pitchFamily="34" charset="-34"/>
+                <a:cs typeface="TH SarabunPSK" panose="020B0500040200020003" pitchFamily="34" charset="-34"/>
+              </a:rPr>
+              <a:t>[]</a:t>
+            </a:r>
+            <a:r>
               <a:rPr lang="th-TH" dirty="0">
                 <a:latin typeface="TH SarabunPSK" panose="020B0500040200020003" pitchFamily="34" charset="-34"/>
                 <a:cs typeface="TH SarabunPSK" panose="020B0500040200020003" pitchFamily="34" charset="-34"/>
@@ -12681,7 +12722,7 @@
                 <a:latin typeface="TH SarabunPSK" panose="020B0500040200020003" pitchFamily="34" charset="-34"/>
                 <a:cs typeface="TH SarabunPSK" panose="020B0500040200020003" pitchFamily="34" charset="-34"/>
               </a:rPr>
-              <a:t>print </a:t>
+              <a:t>print() </a:t>
             </a:r>
             <a:r>
               <a:rPr lang="th-TH" dirty="0">
@@ -14941,7 +14982,7 @@
                 <a:latin typeface="TH SarabunPSK" panose="020B0500040200020003" pitchFamily="34" charset="-34"/>
                 <a:cs typeface="TH SarabunPSK" panose="020B0500040200020003" pitchFamily="34" charset="-34"/>
               </a:rPr>
-              <a:t>list </a:t>
+              <a:t>list() </a:t>
             </a:r>
             <a:r>
               <a:rPr lang="th-TH" dirty="0">

--- a/PPT/Class period 8.pptx
+++ b/PPT/Class period 8.pptx
@@ -121,6 +121,11 @@
       </a:defRPr>
     </a:lvl9pPr>
   </p:defaultTextStyle>
+  <p:extLst>
+    <p:ext uri="{EFAFB233-063F-42B5-8137-9DF3F51BA10A}">
+      <p15:sldGuideLst xmlns:p15="http://schemas.microsoft.com/office/powerpoint/2012/main"/>
+    </p:ext>
+  </p:extLst>
 </p:presentation>
 </file>
 
@@ -206,7 +211,7 @@
           <a:p>
             <a:fld id="{36D7E46F-A554-4109-B13E-3FE0E73FA6EF}" type="datetimeFigureOut">
               <a:rPr lang="en-US" smtClean="0"/>
-              <a:t>5/15/2024</a:t>
+              <a:t>6/17/2024</a:t>
             </a:fld>
             <a:endParaRPr lang="en-US"/>
           </a:p>
@@ -704,7 +709,7 @@
           <a:p>
             <a:fld id="{389C3E20-836B-4499-B694-BB697AB51FD3}" type="datetimeFigureOut">
               <a:rPr lang="en-US" smtClean="0"/>
-              <a:t>5/15/2024</a:t>
+              <a:t>6/17/2024</a:t>
             </a:fld>
             <a:endParaRPr lang="en-US"/>
           </a:p>
@@ -902,7 +907,7 @@
           <a:p>
             <a:fld id="{389C3E20-836B-4499-B694-BB697AB51FD3}" type="datetimeFigureOut">
               <a:rPr lang="en-US" smtClean="0"/>
-              <a:t>5/15/2024</a:t>
+              <a:t>6/17/2024</a:t>
             </a:fld>
             <a:endParaRPr lang="en-US"/>
           </a:p>
@@ -1110,7 +1115,7 @@
           <a:p>
             <a:fld id="{389C3E20-836B-4499-B694-BB697AB51FD3}" type="datetimeFigureOut">
               <a:rPr lang="en-US" smtClean="0"/>
-              <a:t>5/15/2024</a:t>
+              <a:t>6/17/2024</a:t>
             </a:fld>
             <a:endParaRPr lang="en-US"/>
           </a:p>
@@ -1308,7 +1313,7 @@
           <a:p>
             <a:fld id="{389C3E20-836B-4499-B694-BB697AB51FD3}" type="datetimeFigureOut">
               <a:rPr lang="en-US" smtClean="0"/>
-              <a:t>5/15/2024</a:t>
+              <a:t>6/17/2024</a:t>
             </a:fld>
             <a:endParaRPr lang="en-US"/>
           </a:p>
@@ -1583,7 +1588,7 @@
           <a:p>
             <a:fld id="{389C3E20-836B-4499-B694-BB697AB51FD3}" type="datetimeFigureOut">
               <a:rPr lang="en-US" smtClean="0"/>
-              <a:t>5/15/2024</a:t>
+              <a:t>6/17/2024</a:t>
             </a:fld>
             <a:endParaRPr lang="en-US"/>
           </a:p>
@@ -1848,7 +1853,7 @@
           <a:p>
             <a:fld id="{389C3E20-836B-4499-B694-BB697AB51FD3}" type="datetimeFigureOut">
               <a:rPr lang="en-US" smtClean="0"/>
-              <a:t>5/15/2024</a:t>
+              <a:t>6/17/2024</a:t>
             </a:fld>
             <a:endParaRPr lang="en-US"/>
           </a:p>
@@ -2260,7 +2265,7 @@
           <a:p>
             <a:fld id="{389C3E20-836B-4499-B694-BB697AB51FD3}" type="datetimeFigureOut">
               <a:rPr lang="en-US" smtClean="0"/>
-              <a:t>5/15/2024</a:t>
+              <a:t>6/17/2024</a:t>
             </a:fld>
             <a:endParaRPr lang="en-US"/>
           </a:p>
@@ -2401,7 +2406,7 @@
           <a:p>
             <a:fld id="{389C3E20-836B-4499-B694-BB697AB51FD3}" type="datetimeFigureOut">
               <a:rPr lang="en-US" smtClean="0"/>
-              <a:t>5/15/2024</a:t>
+              <a:t>6/17/2024</a:t>
             </a:fld>
             <a:endParaRPr lang="en-US"/>
           </a:p>
@@ -2514,7 +2519,7 @@
           <a:p>
             <a:fld id="{389C3E20-836B-4499-B694-BB697AB51FD3}" type="datetimeFigureOut">
               <a:rPr lang="en-US" smtClean="0"/>
-              <a:t>5/15/2024</a:t>
+              <a:t>6/17/2024</a:t>
             </a:fld>
             <a:endParaRPr lang="en-US"/>
           </a:p>
@@ -2825,7 +2830,7 @@
           <a:p>
             <a:fld id="{389C3E20-836B-4499-B694-BB697AB51FD3}" type="datetimeFigureOut">
               <a:rPr lang="en-US" smtClean="0"/>
-              <a:t>5/15/2024</a:t>
+              <a:t>6/17/2024</a:t>
             </a:fld>
             <a:endParaRPr lang="en-US"/>
           </a:p>
@@ -3113,7 +3118,7 @@
           <a:p>
             <a:fld id="{389C3E20-836B-4499-B694-BB697AB51FD3}" type="datetimeFigureOut">
               <a:rPr lang="en-US" smtClean="0"/>
-              <a:t>5/15/2024</a:t>
+              <a:t>6/17/2024</a:t>
             </a:fld>
             <a:endParaRPr lang="en-US"/>
           </a:p>
@@ -3354,7 +3359,7 @@
           <a:p>
             <a:fld id="{389C3E20-836B-4499-B694-BB697AB51FD3}" type="datetimeFigureOut">
               <a:rPr lang="en-US" smtClean="0"/>
-              <a:t>5/15/2024</a:t>
+              <a:t>6/17/2024</a:t>
             </a:fld>
             <a:endParaRPr lang="en-US"/>
           </a:p>
@@ -4019,6 +4024,73 @@
           </a:p>
         </p:txBody>
       </p:sp>
+      <p:sp>
+        <p:nvSpPr>
+          <p:cNvPr id="7" name="TextBox 6">
+            <a:extLst>
+              <a:ext uri="{FF2B5EF4-FFF2-40B4-BE49-F238E27FC236}">
+                <a16:creationId xmlns:a16="http://schemas.microsoft.com/office/drawing/2014/main" id="{C04734E8-2457-B7B0-CA1A-240C2447327B}"/>
+              </a:ext>
+            </a:extLst>
+          </p:cNvPr>
+          <p:cNvSpPr txBox="1"/>
+          <p:nvPr/>
+        </p:nvSpPr>
+        <p:spPr>
+          <a:xfrm>
+            <a:off x="114677" y="6172611"/>
+            <a:ext cx="5532120" cy="461665"/>
+          </a:xfrm>
+          <a:prstGeom prst="rect">
+            <a:avLst/>
+          </a:prstGeom>
+          <a:noFill/>
+        </p:spPr>
+        <p:txBody>
+          <a:bodyPr wrap="square">
+            <a:spAutoFit/>
+          </a:bodyPr>
+          <a:lstStyle/>
+          <a:p>
+            <a:pPr algn="l"/>
+            <a:r>
+              <a:rPr lang="th-TH" sz="2400" dirty="0">
+                <a:latin typeface="TH SarabunPSK" panose="020B0500040200020003" pitchFamily="34" charset="-34"/>
+                <a:cs typeface="TH SarabunPSK" panose="020B0500040200020003" pitchFamily="34" charset="-34"/>
+              </a:rPr>
+              <a:t>โดย ผศ</a:t>
+            </a:r>
+            <a:r>
+              <a:rPr lang="en-US" sz="2400" dirty="0">
+                <a:latin typeface="TH SarabunPSK" panose="020B0500040200020003" pitchFamily="34" charset="-34"/>
+                <a:cs typeface="TH SarabunPSK" panose="020B0500040200020003" pitchFamily="34" charset="-34"/>
+              </a:rPr>
+              <a:t>. </a:t>
+            </a:r>
+            <a:r>
+              <a:rPr lang="th-TH" sz="2400" dirty="0">
+                <a:latin typeface="TH SarabunPSK" panose="020B0500040200020003" pitchFamily="34" charset="-34"/>
+                <a:cs typeface="TH SarabunPSK" panose="020B0500040200020003" pitchFamily="34" charset="-34"/>
+              </a:rPr>
+              <a:t>ดร</a:t>
+            </a:r>
+            <a:r>
+              <a:rPr lang="en-US" sz="2400" dirty="0">
+                <a:latin typeface="TH SarabunPSK" panose="020B0500040200020003" pitchFamily="34" charset="-34"/>
+                <a:cs typeface="TH SarabunPSK" panose="020B0500040200020003" pitchFamily="34" charset="-34"/>
+              </a:rPr>
+              <a:t>.</a:t>
+            </a:r>
+            <a:r>
+              <a:rPr lang="th-TH" sz="2400" dirty="0">
+                <a:latin typeface="TH SarabunPSK" panose="020B0500040200020003" pitchFamily="34" charset="-34"/>
+                <a:cs typeface="TH SarabunPSK" panose="020B0500040200020003" pitchFamily="34" charset="-34"/>
+              </a:rPr>
+              <a:t>ธนพงศ์ อินทระ สาขาวิชาสถิติ มหาวิทยาลัยขอนแก่น </a:t>
+            </a:r>
+          </a:p>
+        </p:txBody>
+      </p:sp>
     </p:spTree>
     <p:extLst>
       <p:ext uri="{BB962C8B-B14F-4D97-AF65-F5344CB8AC3E}">
@@ -5059,6 +5131,73 @@
           </a:p>
         </p:txBody>
       </p:sp>
+      <p:sp>
+        <p:nvSpPr>
+          <p:cNvPr id="9" name="TextBox 8">
+            <a:extLst>
+              <a:ext uri="{FF2B5EF4-FFF2-40B4-BE49-F238E27FC236}">
+                <a16:creationId xmlns:a16="http://schemas.microsoft.com/office/drawing/2014/main" id="{FA20C52E-E13A-F3F7-1B1E-31D265AD5202}"/>
+              </a:ext>
+            </a:extLst>
+          </p:cNvPr>
+          <p:cNvSpPr txBox="1"/>
+          <p:nvPr/>
+        </p:nvSpPr>
+        <p:spPr>
+          <a:xfrm>
+            <a:off x="114677" y="6172611"/>
+            <a:ext cx="5532120" cy="461665"/>
+          </a:xfrm>
+          <a:prstGeom prst="rect">
+            <a:avLst/>
+          </a:prstGeom>
+          <a:noFill/>
+        </p:spPr>
+        <p:txBody>
+          <a:bodyPr wrap="square">
+            <a:spAutoFit/>
+          </a:bodyPr>
+          <a:lstStyle/>
+          <a:p>
+            <a:pPr algn="l"/>
+            <a:r>
+              <a:rPr lang="th-TH" sz="2400" dirty="0">
+                <a:latin typeface="TH SarabunPSK" panose="020B0500040200020003" pitchFamily="34" charset="-34"/>
+                <a:cs typeface="TH SarabunPSK" panose="020B0500040200020003" pitchFamily="34" charset="-34"/>
+              </a:rPr>
+              <a:t>โดย ผศ</a:t>
+            </a:r>
+            <a:r>
+              <a:rPr lang="en-US" sz="2400" dirty="0">
+                <a:latin typeface="TH SarabunPSK" panose="020B0500040200020003" pitchFamily="34" charset="-34"/>
+                <a:cs typeface="TH SarabunPSK" panose="020B0500040200020003" pitchFamily="34" charset="-34"/>
+              </a:rPr>
+              <a:t>. </a:t>
+            </a:r>
+            <a:r>
+              <a:rPr lang="th-TH" sz="2400" dirty="0">
+                <a:latin typeface="TH SarabunPSK" panose="020B0500040200020003" pitchFamily="34" charset="-34"/>
+                <a:cs typeface="TH SarabunPSK" panose="020B0500040200020003" pitchFamily="34" charset="-34"/>
+              </a:rPr>
+              <a:t>ดร</a:t>
+            </a:r>
+            <a:r>
+              <a:rPr lang="en-US" sz="2400" dirty="0">
+                <a:latin typeface="TH SarabunPSK" panose="020B0500040200020003" pitchFamily="34" charset="-34"/>
+                <a:cs typeface="TH SarabunPSK" panose="020B0500040200020003" pitchFamily="34" charset="-34"/>
+              </a:rPr>
+              <a:t>.</a:t>
+            </a:r>
+            <a:r>
+              <a:rPr lang="th-TH" sz="2400" dirty="0">
+                <a:latin typeface="TH SarabunPSK" panose="020B0500040200020003" pitchFamily="34" charset="-34"/>
+                <a:cs typeface="TH SarabunPSK" panose="020B0500040200020003" pitchFamily="34" charset="-34"/>
+              </a:rPr>
+              <a:t>ธนพงศ์ อินทระ สาขาวิชาสถิติ มหาวิทยาลัยขอนแก่น </a:t>
+            </a:r>
+          </a:p>
+        </p:txBody>
+      </p:sp>
     </p:spTree>
     <p:extLst>
       <p:ext uri="{BB962C8B-B14F-4D97-AF65-F5344CB8AC3E}">
@@ -5639,6 +5778,73 @@
           </a:prstGeom>
         </p:spPr>
       </p:pic>
+      <p:sp>
+        <p:nvSpPr>
+          <p:cNvPr id="10" name="TextBox 9">
+            <a:extLst>
+              <a:ext uri="{FF2B5EF4-FFF2-40B4-BE49-F238E27FC236}">
+                <a16:creationId xmlns:a16="http://schemas.microsoft.com/office/drawing/2014/main" id="{71CD389E-32ED-E624-2B42-584A8DE8144E}"/>
+              </a:ext>
+            </a:extLst>
+          </p:cNvPr>
+          <p:cNvSpPr txBox="1"/>
+          <p:nvPr/>
+        </p:nvSpPr>
+        <p:spPr>
+          <a:xfrm>
+            <a:off x="114677" y="6172611"/>
+            <a:ext cx="5532120" cy="461665"/>
+          </a:xfrm>
+          <a:prstGeom prst="rect">
+            <a:avLst/>
+          </a:prstGeom>
+          <a:noFill/>
+        </p:spPr>
+        <p:txBody>
+          <a:bodyPr wrap="square">
+            <a:spAutoFit/>
+          </a:bodyPr>
+          <a:lstStyle/>
+          <a:p>
+            <a:pPr algn="l"/>
+            <a:r>
+              <a:rPr lang="th-TH" sz="2400" dirty="0">
+                <a:latin typeface="TH SarabunPSK" panose="020B0500040200020003" pitchFamily="34" charset="-34"/>
+                <a:cs typeface="TH SarabunPSK" panose="020B0500040200020003" pitchFamily="34" charset="-34"/>
+              </a:rPr>
+              <a:t>โดย ผศ</a:t>
+            </a:r>
+            <a:r>
+              <a:rPr lang="en-US" sz="2400" dirty="0">
+                <a:latin typeface="TH SarabunPSK" panose="020B0500040200020003" pitchFamily="34" charset="-34"/>
+                <a:cs typeface="TH SarabunPSK" panose="020B0500040200020003" pitchFamily="34" charset="-34"/>
+              </a:rPr>
+              <a:t>. </a:t>
+            </a:r>
+            <a:r>
+              <a:rPr lang="th-TH" sz="2400" dirty="0">
+                <a:latin typeface="TH SarabunPSK" panose="020B0500040200020003" pitchFamily="34" charset="-34"/>
+                <a:cs typeface="TH SarabunPSK" panose="020B0500040200020003" pitchFamily="34" charset="-34"/>
+              </a:rPr>
+              <a:t>ดร</a:t>
+            </a:r>
+            <a:r>
+              <a:rPr lang="en-US" sz="2400" dirty="0">
+                <a:latin typeface="TH SarabunPSK" panose="020B0500040200020003" pitchFamily="34" charset="-34"/>
+                <a:cs typeface="TH SarabunPSK" panose="020B0500040200020003" pitchFamily="34" charset="-34"/>
+              </a:rPr>
+              <a:t>.</a:t>
+            </a:r>
+            <a:r>
+              <a:rPr lang="th-TH" sz="2400" dirty="0">
+                <a:latin typeface="TH SarabunPSK" panose="020B0500040200020003" pitchFamily="34" charset="-34"/>
+                <a:cs typeface="TH SarabunPSK" panose="020B0500040200020003" pitchFamily="34" charset="-34"/>
+              </a:rPr>
+              <a:t>ธนพงศ์ อินทระ สาขาวิชาสถิติ มหาวิทยาลัยขอนแก่น </a:t>
+            </a:r>
+          </a:p>
+        </p:txBody>
+      </p:sp>
     </p:spTree>
     <p:extLst>
       <p:ext uri="{BB962C8B-B14F-4D97-AF65-F5344CB8AC3E}">
@@ -6192,6 +6398,73 @@
           </a:p>
         </p:txBody>
       </p:sp>
+      <p:sp>
+        <p:nvSpPr>
+          <p:cNvPr id="9" name="TextBox 8">
+            <a:extLst>
+              <a:ext uri="{FF2B5EF4-FFF2-40B4-BE49-F238E27FC236}">
+                <a16:creationId xmlns:a16="http://schemas.microsoft.com/office/drawing/2014/main" id="{BCA87608-681A-80D8-9E37-D93469D40ED0}"/>
+              </a:ext>
+            </a:extLst>
+          </p:cNvPr>
+          <p:cNvSpPr txBox="1"/>
+          <p:nvPr/>
+        </p:nvSpPr>
+        <p:spPr>
+          <a:xfrm>
+            <a:off x="114677" y="6172611"/>
+            <a:ext cx="5532120" cy="461665"/>
+          </a:xfrm>
+          <a:prstGeom prst="rect">
+            <a:avLst/>
+          </a:prstGeom>
+          <a:noFill/>
+        </p:spPr>
+        <p:txBody>
+          <a:bodyPr wrap="square">
+            <a:spAutoFit/>
+          </a:bodyPr>
+          <a:lstStyle/>
+          <a:p>
+            <a:pPr algn="l"/>
+            <a:r>
+              <a:rPr lang="th-TH" sz="2400" dirty="0">
+                <a:latin typeface="TH SarabunPSK" panose="020B0500040200020003" pitchFamily="34" charset="-34"/>
+                <a:cs typeface="TH SarabunPSK" panose="020B0500040200020003" pitchFamily="34" charset="-34"/>
+              </a:rPr>
+              <a:t>โดย ผศ</a:t>
+            </a:r>
+            <a:r>
+              <a:rPr lang="en-US" sz="2400" dirty="0">
+                <a:latin typeface="TH SarabunPSK" panose="020B0500040200020003" pitchFamily="34" charset="-34"/>
+                <a:cs typeface="TH SarabunPSK" panose="020B0500040200020003" pitchFamily="34" charset="-34"/>
+              </a:rPr>
+              <a:t>. </a:t>
+            </a:r>
+            <a:r>
+              <a:rPr lang="th-TH" sz="2400" dirty="0">
+                <a:latin typeface="TH SarabunPSK" panose="020B0500040200020003" pitchFamily="34" charset="-34"/>
+                <a:cs typeface="TH SarabunPSK" panose="020B0500040200020003" pitchFamily="34" charset="-34"/>
+              </a:rPr>
+              <a:t>ดร</a:t>
+            </a:r>
+            <a:r>
+              <a:rPr lang="en-US" sz="2400" dirty="0">
+                <a:latin typeface="TH SarabunPSK" panose="020B0500040200020003" pitchFamily="34" charset="-34"/>
+                <a:cs typeface="TH SarabunPSK" panose="020B0500040200020003" pitchFamily="34" charset="-34"/>
+              </a:rPr>
+              <a:t>.</a:t>
+            </a:r>
+            <a:r>
+              <a:rPr lang="th-TH" sz="2400" dirty="0">
+                <a:latin typeface="TH SarabunPSK" panose="020B0500040200020003" pitchFamily="34" charset="-34"/>
+                <a:cs typeface="TH SarabunPSK" panose="020B0500040200020003" pitchFamily="34" charset="-34"/>
+              </a:rPr>
+              <a:t>ธนพงศ์ อินทระ สาขาวิชาสถิติ มหาวิทยาลัยขอนแก่น </a:t>
+            </a:r>
+          </a:p>
+        </p:txBody>
+      </p:sp>
     </p:spTree>
     <p:extLst>
       <p:ext uri="{BB962C8B-B14F-4D97-AF65-F5344CB8AC3E}">
@@ -6767,6 +7040,73 @@
           </a:prstGeom>
         </p:spPr>
       </p:pic>
+      <p:sp>
+        <p:nvSpPr>
+          <p:cNvPr id="10" name="TextBox 9">
+            <a:extLst>
+              <a:ext uri="{FF2B5EF4-FFF2-40B4-BE49-F238E27FC236}">
+                <a16:creationId xmlns:a16="http://schemas.microsoft.com/office/drawing/2014/main" id="{55F6C24C-124B-96F9-B738-81A0F3B0B37D}"/>
+              </a:ext>
+            </a:extLst>
+          </p:cNvPr>
+          <p:cNvSpPr txBox="1"/>
+          <p:nvPr/>
+        </p:nvSpPr>
+        <p:spPr>
+          <a:xfrm>
+            <a:off x="114677" y="6172611"/>
+            <a:ext cx="5532120" cy="461665"/>
+          </a:xfrm>
+          <a:prstGeom prst="rect">
+            <a:avLst/>
+          </a:prstGeom>
+          <a:noFill/>
+        </p:spPr>
+        <p:txBody>
+          <a:bodyPr wrap="square">
+            <a:spAutoFit/>
+          </a:bodyPr>
+          <a:lstStyle/>
+          <a:p>
+            <a:pPr algn="l"/>
+            <a:r>
+              <a:rPr lang="th-TH" sz="2400" dirty="0">
+                <a:latin typeface="TH SarabunPSK" panose="020B0500040200020003" pitchFamily="34" charset="-34"/>
+                <a:cs typeface="TH SarabunPSK" panose="020B0500040200020003" pitchFamily="34" charset="-34"/>
+              </a:rPr>
+              <a:t>โดย ผศ</a:t>
+            </a:r>
+            <a:r>
+              <a:rPr lang="en-US" sz="2400" dirty="0">
+                <a:latin typeface="TH SarabunPSK" panose="020B0500040200020003" pitchFamily="34" charset="-34"/>
+                <a:cs typeface="TH SarabunPSK" panose="020B0500040200020003" pitchFamily="34" charset="-34"/>
+              </a:rPr>
+              <a:t>. </a:t>
+            </a:r>
+            <a:r>
+              <a:rPr lang="th-TH" sz="2400" dirty="0">
+                <a:latin typeface="TH SarabunPSK" panose="020B0500040200020003" pitchFamily="34" charset="-34"/>
+                <a:cs typeface="TH SarabunPSK" panose="020B0500040200020003" pitchFamily="34" charset="-34"/>
+              </a:rPr>
+              <a:t>ดร</a:t>
+            </a:r>
+            <a:r>
+              <a:rPr lang="en-US" sz="2400" dirty="0">
+                <a:latin typeface="TH SarabunPSK" panose="020B0500040200020003" pitchFamily="34" charset="-34"/>
+                <a:cs typeface="TH SarabunPSK" panose="020B0500040200020003" pitchFamily="34" charset="-34"/>
+              </a:rPr>
+              <a:t>.</a:t>
+            </a:r>
+            <a:r>
+              <a:rPr lang="th-TH" sz="2400" dirty="0">
+                <a:latin typeface="TH SarabunPSK" panose="020B0500040200020003" pitchFamily="34" charset="-34"/>
+                <a:cs typeface="TH SarabunPSK" panose="020B0500040200020003" pitchFamily="34" charset="-34"/>
+              </a:rPr>
+              <a:t>ธนพงศ์ อินทระ สาขาวิชาสถิติ มหาวิทยาลัยขอนแก่น </a:t>
+            </a:r>
+          </a:p>
+        </p:txBody>
+      </p:sp>
     </p:spTree>
     <p:extLst>
       <p:ext uri="{BB962C8B-B14F-4D97-AF65-F5344CB8AC3E}">
@@ -7446,6 +7786,73 @@
           </a:p>
         </p:txBody>
       </p:sp>
+      <p:sp>
+        <p:nvSpPr>
+          <p:cNvPr id="9" name="TextBox 8">
+            <a:extLst>
+              <a:ext uri="{FF2B5EF4-FFF2-40B4-BE49-F238E27FC236}">
+                <a16:creationId xmlns:a16="http://schemas.microsoft.com/office/drawing/2014/main" id="{7A93526F-7748-A23C-D26E-15442DF1C102}"/>
+              </a:ext>
+            </a:extLst>
+          </p:cNvPr>
+          <p:cNvSpPr txBox="1"/>
+          <p:nvPr/>
+        </p:nvSpPr>
+        <p:spPr>
+          <a:xfrm>
+            <a:off x="114677" y="6172611"/>
+            <a:ext cx="5532120" cy="461665"/>
+          </a:xfrm>
+          <a:prstGeom prst="rect">
+            <a:avLst/>
+          </a:prstGeom>
+          <a:noFill/>
+        </p:spPr>
+        <p:txBody>
+          <a:bodyPr wrap="square">
+            <a:spAutoFit/>
+          </a:bodyPr>
+          <a:lstStyle/>
+          <a:p>
+            <a:pPr algn="l"/>
+            <a:r>
+              <a:rPr lang="th-TH" sz="2400" dirty="0">
+                <a:latin typeface="TH SarabunPSK" panose="020B0500040200020003" pitchFamily="34" charset="-34"/>
+                <a:cs typeface="TH SarabunPSK" panose="020B0500040200020003" pitchFamily="34" charset="-34"/>
+              </a:rPr>
+              <a:t>โดย ผศ</a:t>
+            </a:r>
+            <a:r>
+              <a:rPr lang="en-US" sz="2400" dirty="0">
+                <a:latin typeface="TH SarabunPSK" panose="020B0500040200020003" pitchFamily="34" charset="-34"/>
+                <a:cs typeface="TH SarabunPSK" panose="020B0500040200020003" pitchFamily="34" charset="-34"/>
+              </a:rPr>
+              <a:t>. </a:t>
+            </a:r>
+            <a:r>
+              <a:rPr lang="th-TH" sz="2400" dirty="0">
+                <a:latin typeface="TH SarabunPSK" panose="020B0500040200020003" pitchFamily="34" charset="-34"/>
+                <a:cs typeface="TH SarabunPSK" panose="020B0500040200020003" pitchFamily="34" charset="-34"/>
+              </a:rPr>
+              <a:t>ดร</a:t>
+            </a:r>
+            <a:r>
+              <a:rPr lang="en-US" sz="2400" dirty="0">
+                <a:latin typeface="TH SarabunPSK" panose="020B0500040200020003" pitchFamily="34" charset="-34"/>
+                <a:cs typeface="TH SarabunPSK" panose="020B0500040200020003" pitchFamily="34" charset="-34"/>
+              </a:rPr>
+              <a:t>.</a:t>
+            </a:r>
+            <a:r>
+              <a:rPr lang="th-TH" sz="2400" dirty="0">
+                <a:latin typeface="TH SarabunPSK" panose="020B0500040200020003" pitchFamily="34" charset="-34"/>
+                <a:cs typeface="TH SarabunPSK" panose="020B0500040200020003" pitchFamily="34" charset="-34"/>
+              </a:rPr>
+              <a:t>ธนพงศ์ อินทระ สาขาวิชาสถิติ มหาวิทยาลัยขอนแก่น </a:t>
+            </a:r>
+          </a:p>
+        </p:txBody>
+      </p:sp>
     </p:spTree>
     <p:extLst>
       <p:ext uri="{BB962C8B-B14F-4D97-AF65-F5344CB8AC3E}">
@@ -8049,6 +8456,73 @@
           </a:prstGeom>
         </p:spPr>
       </p:pic>
+      <p:sp>
+        <p:nvSpPr>
+          <p:cNvPr id="10" name="TextBox 9">
+            <a:extLst>
+              <a:ext uri="{FF2B5EF4-FFF2-40B4-BE49-F238E27FC236}">
+                <a16:creationId xmlns:a16="http://schemas.microsoft.com/office/drawing/2014/main" id="{6087DD47-E3EF-6807-13A2-857BEC1447B3}"/>
+              </a:ext>
+            </a:extLst>
+          </p:cNvPr>
+          <p:cNvSpPr txBox="1"/>
+          <p:nvPr/>
+        </p:nvSpPr>
+        <p:spPr>
+          <a:xfrm>
+            <a:off x="114677" y="6172611"/>
+            <a:ext cx="5532120" cy="461665"/>
+          </a:xfrm>
+          <a:prstGeom prst="rect">
+            <a:avLst/>
+          </a:prstGeom>
+          <a:noFill/>
+        </p:spPr>
+        <p:txBody>
+          <a:bodyPr wrap="square">
+            <a:spAutoFit/>
+          </a:bodyPr>
+          <a:lstStyle/>
+          <a:p>
+            <a:pPr algn="l"/>
+            <a:r>
+              <a:rPr lang="th-TH" sz="2400" dirty="0">
+                <a:latin typeface="TH SarabunPSK" panose="020B0500040200020003" pitchFamily="34" charset="-34"/>
+                <a:cs typeface="TH SarabunPSK" panose="020B0500040200020003" pitchFamily="34" charset="-34"/>
+              </a:rPr>
+              <a:t>โดย ผศ</a:t>
+            </a:r>
+            <a:r>
+              <a:rPr lang="en-US" sz="2400" dirty="0">
+                <a:latin typeface="TH SarabunPSK" panose="020B0500040200020003" pitchFamily="34" charset="-34"/>
+                <a:cs typeface="TH SarabunPSK" panose="020B0500040200020003" pitchFamily="34" charset="-34"/>
+              </a:rPr>
+              <a:t>. </a:t>
+            </a:r>
+            <a:r>
+              <a:rPr lang="th-TH" sz="2400" dirty="0">
+                <a:latin typeface="TH SarabunPSK" panose="020B0500040200020003" pitchFamily="34" charset="-34"/>
+                <a:cs typeface="TH SarabunPSK" panose="020B0500040200020003" pitchFamily="34" charset="-34"/>
+              </a:rPr>
+              <a:t>ดร</a:t>
+            </a:r>
+            <a:r>
+              <a:rPr lang="en-US" sz="2400" dirty="0">
+                <a:latin typeface="TH SarabunPSK" panose="020B0500040200020003" pitchFamily="34" charset="-34"/>
+                <a:cs typeface="TH SarabunPSK" panose="020B0500040200020003" pitchFamily="34" charset="-34"/>
+              </a:rPr>
+              <a:t>.</a:t>
+            </a:r>
+            <a:r>
+              <a:rPr lang="th-TH" sz="2400" dirty="0">
+                <a:latin typeface="TH SarabunPSK" panose="020B0500040200020003" pitchFamily="34" charset="-34"/>
+                <a:cs typeface="TH SarabunPSK" panose="020B0500040200020003" pitchFamily="34" charset="-34"/>
+              </a:rPr>
+              <a:t>ธนพงศ์ อินทระ สาขาวิชาสถิติ มหาวิทยาลัยขอนแก่น </a:t>
+            </a:r>
+          </a:p>
+        </p:txBody>
+      </p:sp>
     </p:spTree>
     <p:extLst>
       <p:ext uri="{BB962C8B-B14F-4D97-AF65-F5344CB8AC3E}">
@@ -9174,6 +9648,73 @@
           </a:p>
         </p:txBody>
       </p:sp>
+      <p:sp>
+        <p:nvSpPr>
+          <p:cNvPr id="9" name="TextBox 8">
+            <a:extLst>
+              <a:ext uri="{FF2B5EF4-FFF2-40B4-BE49-F238E27FC236}">
+                <a16:creationId xmlns:a16="http://schemas.microsoft.com/office/drawing/2014/main" id="{0276F8E1-7959-14A3-19EE-4DBDFD85D36F}"/>
+              </a:ext>
+            </a:extLst>
+          </p:cNvPr>
+          <p:cNvSpPr txBox="1"/>
+          <p:nvPr/>
+        </p:nvSpPr>
+        <p:spPr>
+          <a:xfrm>
+            <a:off x="114677" y="6172611"/>
+            <a:ext cx="5532120" cy="461665"/>
+          </a:xfrm>
+          <a:prstGeom prst="rect">
+            <a:avLst/>
+          </a:prstGeom>
+          <a:noFill/>
+        </p:spPr>
+        <p:txBody>
+          <a:bodyPr wrap="square">
+            <a:spAutoFit/>
+          </a:bodyPr>
+          <a:lstStyle/>
+          <a:p>
+            <a:pPr algn="l"/>
+            <a:r>
+              <a:rPr lang="th-TH" sz="2400" dirty="0">
+                <a:latin typeface="TH SarabunPSK" panose="020B0500040200020003" pitchFamily="34" charset="-34"/>
+                <a:cs typeface="TH SarabunPSK" panose="020B0500040200020003" pitchFamily="34" charset="-34"/>
+              </a:rPr>
+              <a:t>โดย ผศ</a:t>
+            </a:r>
+            <a:r>
+              <a:rPr lang="en-US" sz="2400" dirty="0">
+                <a:latin typeface="TH SarabunPSK" panose="020B0500040200020003" pitchFamily="34" charset="-34"/>
+                <a:cs typeface="TH SarabunPSK" panose="020B0500040200020003" pitchFamily="34" charset="-34"/>
+              </a:rPr>
+              <a:t>. </a:t>
+            </a:r>
+            <a:r>
+              <a:rPr lang="th-TH" sz="2400" dirty="0">
+                <a:latin typeface="TH SarabunPSK" panose="020B0500040200020003" pitchFamily="34" charset="-34"/>
+                <a:cs typeface="TH SarabunPSK" panose="020B0500040200020003" pitchFamily="34" charset="-34"/>
+              </a:rPr>
+              <a:t>ดร</a:t>
+            </a:r>
+            <a:r>
+              <a:rPr lang="en-US" sz="2400" dirty="0">
+                <a:latin typeface="TH SarabunPSK" panose="020B0500040200020003" pitchFamily="34" charset="-34"/>
+                <a:cs typeface="TH SarabunPSK" panose="020B0500040200020003" pitchFamily="34" charset="-34"/>
+              </a:rPr>
+              <a:t>.</a:t>
+            </a:r>
+            <a:r>
+              <a:rPr lang="th-TH" sz="2400" dirty="0">
+                <a:latin typeface="TH SarabunPSK" panose="020B0500040200020003" pitchFamily="34" charset="-34"/>
+                <a:cs typeface="TH SarabunPSK" panose="020B0500040200020003" pitchFamily="34" charset="-34"/>
+              </a:rPr>
+              <a:t>ธนพงศ์ อินทระ สาขาวิชาสถิติ มหาวิทยาลัยขอนแก่น </a:t>
+            </a:r>
+          </a:p>
+        </p:txBody>
+      </p:sp>
     </p:spTree>
     <p:extLst>
       <p:ext uri="{BB962C8B-B14F-4D97-AF65-F5344CB8AC3E}">
@@ -10309,6 +10850,73 @@
           </a:p>
         </p:txBody>
       </p:sp>
+      <p:sp>
+        <p:nvSpPr>
+          <p:cNvPr id="9" name="TextBox 8">
+            <a:extLst>
+              <a:ext uri="{FF2B5EF4-FFF2-40B4-BE49-F238E27FC236}">
+                <a16:creationId xmlns:a16="http://schemas.microsoft.com/office/drawing/2014/main" id="{E5084B24-95B4-35C0-4685-22195F6CA790}"/>
+              </a:ext>
+            </a:extLst>
+          </p:cNvPr>
+          <p:cNvSpPr txBox="1"/>
+          <p:nvPr/>
+        </p:nvSpPr>
+        <p:spPr>
+          <a:xfrm>
+            <a:off x="114677" y="6172611"/>
+            <a:ext cx="5532120" cy="461665"/>
+          </a:xfrm>
+          <a:prstGeom prst="rect">
+            <a:avLst/>
+          </a:prstGeom>
+          <a:noFill/>
+        </p:spPr>
+        <p:txBody>
+          <a:bodyPr wrap="square">
+            <a:spAutoFit/>
+          </a:bodyPr>
+          <a:lstStyle/>
+          <a:p>
+            <a:pPr algn="l"/>
+            <a:r>
+              <a:rPr lang="th-TH" sz="2400" dirty="0">
+                <a:latin typeface="TH SarabunPSK" panose="020B0500040200020003" pitchFamily="34" charset="-34"/>
+                <a:cs typeface="TH SarabunPSK" panose="020B0500040200020003" pitchFamily="34" charset="-34"/>
+              </a:rPr>
+              <a:t>โดย ผศ</a:t>
+            </a:r>
+            <a:r>
+              <a:rPr lang="en-US" sz="2400" dirty="0">
+                <a:latin typeface="TH SarabunPSK" panose="020B0500040200020003" pitchFamily="34" charset="-34"/>
+                <a:cs typeface="TH SarabunPSK" panose="020B0500040200020003" pitchFamily="34" charset="-34"/>
+              </a:rPr>
+              <a:t>. </a:t>
+            </a:r>
+            <a:r>
+              <a:rPr lang="th-TH" sz="2400" dirty="0">
+                <a:latin typeface="TH SarabunPSK" panose="020B0500040200020003" pitchFamily="34" charset="-34"/>
+                <a:cs typeface="TH SarabunPSK" panose="020B0500040200020003" pitchFamily="34" charset="-34"/>
+              </a:rPr>
+              <a:t>ดร</a:t>
+            </a:r>
+            <a:r>
+              <a:rPr lang="en-US" sz="2400" dirty="0">
+                <a:latin typeface="TH SarabunPSK" panose="020B0500040200020003" pitchFamily="34" charset="-34"/>
+                <a:cs typeface="TH SarabunPSK" panose="020B0500040200020003" pitchFamily="34" charset="-34"/>
+              </a:rPr>
+              <a:t>.</a:t>
+            </a:r>
+            <a:r>
+              <a:rPr lang="th-TH" sz="2400" dirty="0">
+                <a:latin typeface="TH SarabunPSK" panose="020B0500040200020003" pitchFamily="34" charset="-34"/>
+                <a:cs typeface="TH SarabunPSK" panose="020B0500040200020003" pitchFamily="34" charset="-34"/>
+              </a:rPr>
+              <a:t>ธนพงศ์ อินทระ สาขาวิชาสถิติ มหาวิทยาลัยขอนแก่น </a:t>
+            </a:r>
+          </a:p>
+        </p:txBody>
+      </p:sp>
     </p:spTree>
     <p:extLst>
       <p:ext uri="{BB962C8B-B14F-4D97-AF65-F5344CB8AC3E}">
@@ -11183,6 +11791,73 @@
           </a:p>
         </p:txBody>
       </p:sp>
+      <p:sp>
+        <p:nvSpPr>
+          <p:cNvPr id="9" name="TextBox 8">
+            <a:extLst>
+              <a:ext uri="{FF2B5EF4-FFF2-40B4-BE49-F238E27FC236}">
+                <a16:creationId xmlns:a16="http://schemas.microsoft.com/office/drawing/2014/main" id="{FF0E4D37-ED65-D574-354F-21DED3337546}"/>
+              </a:ext>
+            </a:extLst>
+          </p:cNvPr>
+          <p:cNvSpPr txBox="1"/>
+          <p:nvPr/>
+        </p:nvSpPr>
+        <p:spPr>
+          <a:xfrm>
+            <a:off x="114677" y="6172611"/>
+            <a:ext cx="5532120" cy="461665"/>
+          </a:xfrm>
+          <a:prstGeom prst="rect">
+            <a:avLst/>
+          </a:prstGeom>
+          <a:noFill/>
+        </p:spPr>
+        <p:txBody>
+          <a:bodyPr wrap="square">
+            <a:spAutoFit/>
+          </a:bodyPr>
+          <a:lstStyle/>
+          <a:p>
+            <a:pPr algn="l"/>
+            <a:r>
+              <a:rPr lang="th-TH" sz="2400" dirty="0">
+                <a:latin typeface="TH SarabunPSK" panose="020B0500040200020003" pitchFamily="34" charset="-34"/>
+                <a:cs typeface="TH SarabunPSK" panose="020B0500040200020003" pitchFamily="34" charset="-34"/>
+              </a:rPr>
+              <a:t>โดย ผศ</a:t>
+            </a:r>
+            <a:r>
+              <a:rPr lang="en-US" sz="2400" dirty="0">
+                <a:latin typeface="TH SarabunPSK" panose="020B0500040200020003" pitchFamily="34" charset="-34"/>
+                <a:cs typeface="TH SarabunPSK" panose="020B0500040200020003" pitchFamily="34" charset="-34"/>
+              </a:rPr>
+              <a:t>. </a:t>
+            </a:r>
+            <a:r>
+              <a:rPr lang="th-TH" sz="2400" dirty="0">
+                <a:latin typeface="TH SarabunPSK" panose="020B0500040200020003" pitchFamily="34" charset="-34"/>
+                <a:cs typeface="TH SarabunPSK" panose="020B0500040200020003" pitchFamily="34" charset="-34"/>
+              </a:rPr>
+              <a:t>ดร</a:t>
+            </a:r>
+            <a:r>
+              <a:rPr lang="en-US" sz="2400" dirty="0">
+                <a:latin typeface="TH SarabunPSK" panose="020B0500040200020003" pitchFamily="34" charset="-34"/>
+                <a:cs typeface="TH SarabunPSK" panose="020B0500040200020003" pitchFamily="34" charset="-34"/>
+              </a:rPr>
+              <a:t>.</a:t>
+            </a:r>
+            <a:r>
+              <a:rPr lang="th-TH" sz="2400" dirty="0">
+                <a:latin typeface="TH SarabunPSK" panose="020B0500040200020003" pitchFamily="34" charset="-34"/>
+                <a:cs typeface="TH SarabunPSK" panose="020B0500040200020003" pitchFamily="34" charset="-34"/>
+              </a:rPr>
+              <a:t>ธนพงศ์ อินทระ สาขาวิชาสถิติ มหาวิทยาลัยขอนแก่น </a:t>
+            </a:r>
+          </a:p>
+        </p:txBody>
+      </p:sp>
     </p:spTree>
     <p:extLst>
       <p:ext uri="{BB962C8B-B14F-4D97-AF65-F5344CB8AC3E}">
@@ -12290,6 +12965,73 @@
           </a:p>
         </p:txBody>
       </p:sp>
+      <p:sp>
+        <p:nvSpPr>
+          <p:cNvPr id="9" name="TextBox 8">
+            <a:extLst>
+              <a:ext uri="{FF2B5EF4-FFF2-40B4-BE49-F238E27FC236}">
+                <a16:creationId xmlns:a16="http://schemas.microsoft.com/office/drawing/2014/main" id="{D7CA41C5-14C7-56D8-74DA-159AEEF6BAA9}"/>
+              </a:ext>
+            </a:extLst>
+          </p:cNvPr>
+          <p:cNvSpPr txBox="1"/>
+          <p:nvPr/>
+        </p:nvSpPr>
+        <p:spPr>
+          <a:xfrm>
+            <a:off x="114677" y="6172611"/>
+            <a:ext cx="5532120" cy="461665"/>
+          </a:xfrm>
+          <a:prstGeom prst="rect">
+            <a:avLst/>
+          </a:prstGeom>
+          <a:noFill/>
+        </p:spPr>
+        <p:txBody>
+          <a:bodyPr wrap="square">
+            <a:spAutoFit/>
+          </a:bodyPr>
+          <a:lstStyle/>
+          <a:p>
+            <a:pPr algn="l"/>
+            <a:r>
+              <a:rPr lang="th-TH" sz="2400" dirty="0">
+                <a:latin typeface="TH SarabunPSK" panose="020B0500040200020003" pitchFamily="34" charset="-34"/>
+                <a:cs typeface="TH SarabunPSK" panose="020B0500040200020003" pitchFamily="34" charset="-34"/>
+              </a:rPr>
+              <a:t>โดย ผศ</a:t>
+            </a:r>
+            <a:r>
+              <a:rPr lang="en-US" sz="2400" dirty="0">
+                <a:latin typeface="TH SarabunPSK" panose="020B0500040200020003" pitchFamily="34" charset="-34"/>
+                <a:cs typeface="TH SarabunPSK" panose="020B0500040200020003" pitchFamily="34" charset="-34"/>
+              </a:rPr>
+              <a:t>. </a:t>
+            </a:r>
+            <a:r>
+              <a:rPr lang="th-TH" sz="2400" dirty="0">
+                <a:latin typeface="TH SarabunPSK" panose="020B0500040200020003" pitchFamily="34" charset="-34"/>
+                <a:cs typeface="TH SarabunPSK" panose="020B0500040200020003" pitchFamily="34" charset="-34"/>
+              </a:rPr>
+              <a:t>ดร</a:t>
+            </a:r>
+            <a:r>
+              <a:rPr lang="en-US" sz="2400" dirty="0">
+                <a:latin typeface="TH SarabunPSK" panose="020B0500040200020003" pitchFamily="34" charset="-34"/>
+                <a:cs typeface="TH SarabunPSK" panose="020B0500040200020003" pitchFamily="34" charset="-34"/>
+              </a:rPr>
+              <a:t>.</a:t>
+            </a:r>
+            <a:r>
+              <a:rPr lang="th-TH" sz="2400" dirty="0">
+                <a:latin typeface="TH SarabunPSK" panose="020B0500040200020003" pitchFamily="34" charset="-34"/>
+                <a:cs typeface="TH SarabunPSK" panose="020B0500040200020003" pitchFamily="34" charset="-34"/>
+              </a:rPr>
+              <a:t>ธนพงศ์ อินทระ สาขาวิชาสถิติ มหาวิทยาลัยขอนแก่น </a:t>
+            </a:r>
+          </a:p>
+        </p:txBody>
+      </p:sp>
     </p:spTree>
     <p:extLst>
       <p:ext uri="{BB962C8B-B14F-4D97-AF65-F5344CB8AC3E}">
@@ -12971,6 +13713,73 @@
           </a:p>
         </p:txBody>
       </p:sp>
+      <p:sp>
+        <p:nvSpPr>
+          <p:cNvPr id="9" name="TextBox 8">
+            <a:extLst>
+              <a:ext uri="{FF2B5EF4-FFF2-40B4-BE49-F238E27FC236}">
+                <a16:creationId xmlns:a16="http://schemas.microsoft.com/office/drawing/2014/main" id="{550D4A89-8E0B-1B78-FC43-8299677E98E2}"/>
+              </a:ext>
+            </a:extLst>
+          </p:cNvPr>
+          <p:cNvSpPr txBox="1"/>
+          <p:nvPr/>
+        </p:nvSpPr>
+        <p:spPr>
+          <a:xfrm>
+            <a:off x="114677" y="6172611"/>
+            <a:ext cx="5532120" cy="461665"/>
+          </a:xfrm>
+          <a:prstGeom prst="rect">
+            <a:avLst/>
+          </a:prstGeom>
+          <a:noFill/>
+        </p:spPr>
+        <p:txBody>
+          <a:bodyPr wrap="square">
+            <a:spAutoFit/>
+          </a:bodyPr>
+          <a:lstStyle/>
+          <a:p>
+            <a:pPr algn="l"/>
+            <a:r>
+              <a:rPr lang="th-TH" sz="2400" dirty="0">
+                <a:latin typeface="TH SarabunPSK" panose="020B0500040200020003" pitchFamily="34" charset="-34"/>
+                <a:cs typeface="TH SarabunPSK" panose="020B0500040200020003" pitchFamily="34" charset="-34"/>
+              </a:rPr>
+              <a:t>โดย ผศ</a:t>
+            </a:r>
+            <a:r>
+              <a:rPr lang="en-US" sz="2400" dirty="0">
+                <a:latin typeface="TH SarabunPSK" panose="020B0500040200020003" pitchFamily="34" charset="-34"/>
+                <a:cs typeface="TH SarabunPSK" panose="020B0500040200020003" pitchFamily="34" charset="-34"/>
+              </a:rPr>
+              <a:t>. </a:t>
+            </a:r>
+            <a:r>
+              <a:rPr lang="th-TH" sz="2400" dirty="0">
+                <a:latin typeface="TH SarabunPSK" panose="020B0500040200020003" pitchFamily="34" charset="-34"/>
+                <a:cs typeface="TH SarabunPSK" panose="020B0500040200020003" pitchFamily="34" charset="-34"/>
+              </a:rPr>
+              <a:t>ดร</a:t>
+            </a:r>
+            <a:r>
+              <a:rPr lang="en-US" sz="2400" dirty="0">
+                <a:latin typeface="TH SarabunPSK" panose="020B0500040200020003" pitchFamily="34" charset="-34"/>
+                <a:cs typeface="TH SarabunPSK" panose="020B0500040200020003" pitchFamily="34" charset="-34"/>
+              </a:rPr>
+              <a:t>.</a:t>
+            </a:r>
+            <a:r>
+              <a:rPr lang="th-TH" sz="2400" dirty="0">
+                <a:latin typeface="TH SarabunPSK" panose="020B0500040200020003" pitchFamily="34" charset="-34"/>
+                <a:cs typeface="TH SarabunPSK" panose="020B0500040200020003" pitchFamily="34" charset="-34"/>
+              </a:rPr>
+              <a:t>ธนพงศ์ อินทระ สาขาวิชาสถิติ มหาวิทยาลัยขอนแก่น </a:t>
+            </a:r>
+          </a:p>
+        </p:txBody>
+      </p:sp>
     </p:spTree>
     <p:extLst>
       <p:ext uri="{BB962C8B-B14F-4D97-AF65-F5344CB8AC3E}">
@@ -13574,6 +14383,73 @@
           </a:p>
         </p:txBody>
       </p:sp>
+      <p:sp>
+        <p:nvSpPr>
+          <p:cNvPr id="9" name="TextBox 8">
+            <a:extLst>
+              <a:ext uri="{FF2B5EF4-FFF2-40B4-BE49-F238E27FC236}">
+                <a16:creationId xmlns:a16="http://schemas.microsoft.com/office/drawing/2014/main" id="{F4312585-9E83-F757-FA1D-951A0EB90F21}"/>
+              </a:ext>
+            </a:extLst>
+          </p:cNvPr>
+          <p:cNvSpPr txBox="1"/>
+          <p:nvPr/>
+        </p:nvSpPr>
+        <p:spPr>
+          <a:xfrm>
+            <a:off x="114677" y="6172611"/>
+            <a:ext cx="5532120" cy="461665"/>
+          </a:xfrm>
+          <a:prstGeom prst="rect">
+            <a:avLst/>
+          </a:prstGeom>
+          <a:noFill/>
+        </p:spPr>
+        <p:txBody>
+          <a:bodyPr wrap="square">
+            <a:spAutoFit/>
+          </a:bodyPr>
+          <a:lstStyle/>
+          <a:p>
+            <a:pPr algn="l"/>
+            <a:r>
+              <a:rPr lang="th-TH" sz="2400" dirty="0">
+                <a:latin typeface="TH SarabunPSK" panose="020B0500040200020003" pitchFamily="34" charset="-34"/>
+                <a:cs typeface="TH SarabunPSK" panose="020B0500040200020003" pitchFamily="34" charset="-34"/>
+              </a:rPr>
+              <a:t>โดย ผศ</a:t>
+            </a:r>
+            <a:r>
+              <a:rPr lang="en-US" sz="2400" dirty="0">
+                <a:latin typeface="TH SarabunPSK" panose="020B0500040200020003" pitchFamily="34" charset="-34"/>
+                <a:cs typeface="TH SarabunPSK" panose="020B0500040200020003" pitchFamily="34" charset="-34"/>
+              </a:rPr>
+              <a:t>. </a:t>
+            </a:r>
+            <a:r>
+              <a:rPr lang="th-TH" sz="2400" dirty="0">
+                <a:latin typeface="TH SarabunPSK" panose="020B0500040200020003" pitchFamily="34" charset="-34"/>
+                <a:cs typeface="TH SarabunPSK" panose="020B0500040200020003" pitchFamily="34" charset="-34"/>
+              </a:rPr>
+              <a:t>ดร</a:t>
+            </a:r>
+            <a:r>
+              <a:rPr lang="en-US" sz="2400" dirty="0">
+                <a:latin typeface="TH SarabunPSK" panose="020B0500040200020003" pitchFamily="34" charset="-34"/>
+                <a:cs typeface="TH SarabunPSK" panose="020B0500040200020003" pitchFamily="34" charset="-34"/>
+              </a:rPr>
+              <a:t>.</a:t>
+            </a:r>
+            <a:r>
+              <a:rPr lang="th-TH" sz="2400" dirty="0">
+                <a:latin typeface="TH SarabunPSK" panose="020B0500040200020003" pitchFamily="34" charset="-34"/>
+                <a:cs typeface="TH SarabunPSK" panose="020B0500040200020003" pitchFamily="34" charset="-34"/>
+              </a:rPr>
+              <a:t>ธนพงศ์ อินทระ สาขาวิชาสถิติ มหาวิทยาลัยขอนแก่น </a:t>
+            </a:r>
+          </a:p>
+        </p:txBody>
+      </p:sp>
     </p:spTree>
     <p:extLst>
       <p:ext uri="{BB962C8B-B14F-4D97-AF65-F5344CB8AC3E}">
@@ -14543,6 +15419,73 @@
           </a:p>
         </p:txBody>
       </p:sp>
+      <p:sp>
+        <p:nvSpPr>
+          <p:cNvPr id="9" name="TextBox 8">
+            <a:extLst>
+              <a:ext uri="{FF2B5EF4-FFF2-40B4-BE49-F238E27FC236}">
+                <a16:creationId xmlns:a16="http://schemas.microsoft.com/office/drawing/2014/main" id="{FD95C05F-7034-C1E4-7B81-1840916227DF}"/>
+              </a:ext>
+            </a:extLst>
+          </p:cNvPr>
+          <p:cNvSpPr txBox="1"/>
+          <p:nvPr/>
+        </p:nvSpPr>
+        <p:spPr>
+          <a:xfrm>
+            <a:off x="114677" y="6172611"/>
+            <a:ext cx="5532120" cy="461665"/>
+          </a:xfrm>
+          <a:prstGeom prst="rect">
+            <a:avLst/>
+          </a:prstGeom>
+          <a:noFill/>
+        </p:spPr>
+        <p:txBody>
+          <a:bodyPr wrap="square">
+            <a:spAutoFit/>
+          </a:bodyPr>
+          <a:lstStyle/>
+          <a:p>
+            <a:pPr algn="l"/>
+            <a:r>
+              <a:rPr lang="th-TH" sz="2400" dirty="0">
+                <a:latin typeface="TH SarabunPSK" panose="020B0500040200020003" pitchFamily="34" charset="-34"/>
+                <a:cs typeface="TH SarabunPSK" panose="020B0500040200020003" pitchFamily="34" charset="-34"/>
+              </a:rPr>
+              <a:t>โดย ผศ</a:t>
+            </a:r>
+            <a:r>
+              <a:rPr lang="en-US" sz="2400" dirty="0">
+                <a:latin typeface="TH SarabunPSK" panose="020B0500040200020003" pitchFamily="34" charset="-34"/>
+                <a:cs typeface="TH SarabunPSK" panose="020B0500040200020003" pitchFamily="34" charset="-34"/>
+              </a:rPr>
+              <a:t>. </a:t>
+            </a:r>
+            <a:r>
+              <a:rPr lang="th-TH" sz="2400" dirty="0">
+                <a:latin typeface="TH SarabunPSK" panose="020B0500040200020003" pitchFamily="34" charset="-34"/>
+                <a:cs typeface="TH SarabunPSK" panose="020B0500040200020003" pitchFamily="34" charset="-34"/>
+              </a:rPr>
+              <a:t>ดร</a:t>
+            </a:r>
+            <a:r>
+              <a:rPr lang="en-US" sz="2400" dirty="0">
+                <a:latin typeface="TH SarabunPSK" panose="020B0500040200020003" pitchFamily="34" charset="-34"/>
+                <a:cs typeface="TH SarabunPSK" panose="020B0500040200020003" pitchFamily="34" charset="-34"/>
+              </a:rPr>
+              <a:t>.</a:t>
+            </a:r>
+            <a:r>
+              <a:rPr lang="th-TH" sz="2400" dirty="0">
+                <a:latin typeface="TH SarabunPSK" panose="020B0500040200020003" pitchFamily="34" charset="-34"/>
+                <a:cs typeface="TH SarabunPSK" panose="020B0500040200020003" pitchFamily="34" charset="-34"/>
+              </a:rPr>
+              <a:t>ธนพงศ์ อินทระ สาขาวิชาสถิติ มหาวิทยาลัยขอนแก่น </a:t>
+            </a:r>
+          </a:p>
+        </p:txBody>
+      </p:sp>
     </p:spTree>
     <p:extLst>
       <p:ext uri="{BB962C8B-B14F-4D97-AF65-F5344CB8AC3E}">
@@ -15618,6 +16561,73 @@
               <a:latin typeface="TH SarabunPSK" panose="020B0500040200020003" pitchFamily="34" charset="-34"/>
               <a:cs typeface="TH SarabunPSK" panose="020B0500040200020003" pitchFamily="34" charset="-34"/>
             </a:endParaRPr>
+          </a:p>
+        </p:txBody>
+      </p:sp>
+      <p:sp>
+        <p:nvSpPr>
+          <p:cNvPr id="9" name="TextBox 8">
+            <a:extLst>
+              <a:ext uri="{FF2B5EF4-FFF2-40B4-BE49-F238E27FC236}">
+                <a16:creationId xmlns:a16="http://schemas.microsoft.com/office/drawing/2014/main" id="{5769D933-20AD-D50A-0845-5D0F3DFAF533}"/>
+              </a:ext>
+            </a:extLst>
+          </p:cNvPr>
+          <p:cNvSpPr txBox="1"/>
+          <p:nvPr/>
+        </p:nvSpPr>
+        <p:spPr>
+          <a:xfrm>
+            <a:off x="114677" y="6172611"/>
+            <a:ext cx="5532120" cy="461665"/>
+          </a:xfrm>
+          <a:prstGeom prst="rect">
+            <a:avLst/>
+          </a:prstGeom>
+          <a:noFill/>
+        </p:spPr>
+        <p:txBody>
+          <a:bodyPr wrap="square">
+            <a:spAutoFit/>
+          </a:bodyPr>
+          <a:lstStyle/>
+          <a:p>
+            <a:pPr algn="l"/>
+            <a:r>
+              <a:rPr lang="th-TH" sz="2400" dirty="0">
+                <a:latin typeface="TH SarabunPSK" panose="020B0500040200020003" pitchFamily="34" charset="-34"/>
+                <a:cs typeface="TH SarabunPSK" panose="020B0500040200020003" pitchFamily="34" charset="-34"/>
+              </a:rPr>
+              <a:t>โดย ผศ</a:t>
+            </a:r>
+            <a:r>
+              <a:rPr lang="en-US" sz="2400" dirty="0">
+                <a:latin typeface="TH SarabunPSK" panose="020B0500040200020003" pitchFamily="34" charset="-34"/>
+                <a:cs typeface="TH SarabunPSK" panose="020B0500040200020003" pitchFamily="34" charset="-34"/>
+              </a:rPr>
+              <a:t>. </a:t>
+            </a:r>
+            <a:r>
+              <a:rPr lang="th-TH" sz="2400" dirty="0">
+                <a:latin typeface="TH SarabunPSK" panose="020B0500040200020003" pitchFamily="34" charset="-34"/>
+                <a:cs typeface="TH SarabunPSK" panose="020B0500040200020003" pitchFamily="34" charset="-34"/>
+              </a:rPr>
+              <a:t>ดร</a:t>
+            </a:r>
+            <a:r>
+              <a:rPr lang="en-US" sz="2400" dirty="0">
+                <a:latin typeface="TH SarabunPSK" panose="020B0500040200020003" pitchFamily="34" charset="-34"/>
+                <a:cs typeface="TH SarabunPSK" panose="020B0500040200020003" pitchFamily="34" charset="-34"/>
+              </a:rPr>
+              <a:t>.</a:t>
+            </a:r>
+            <a:r>
+              <a:rPr lang="th-TH" sz="2400" dirty="0">
+                <a:latin typeface="TH SarabunPSK" panose="020B0500040200020003" pitchFamily="34" charset="-34"/>
+                <a:cs typeface="TH SarabunPSK" panose="020B0500040200020003" pitchFamily="34" charset="-34"/>
+              </a:rPr>
+              <a:t>ธนพงศ์ อินทระ สาขาวิชาสถิติ มหาวิทยาลัยขอนแก่น </a:t>
+            </a:r>
           </a:p>
         </p:txBody>
       </p:sp>
